--- a/Lesson7/AdvancedRoboticsLesson7.pptx
+++ b/Lesson7/AdvancedRoboticsLesson7.pptx
@@ -14083,7 +14083,15 @@
           <a:p>
             <a:r>
               <a:rPr lang="en-US" dirty="0"/>
-              <a:t>Exercise: Create a Simple Autonomous Program</a:t>
+              <a:t>Exercise: </a:t>
+            </a:r>
+            <a:r>
+              <a:rPr lang="en-US" dirty="0" err="1"/>
+              <a:t>Steamwork</a:t>
+            </a:r>
+            <a:r>
+              <a:rPr lang="en-US" dirty="0"/>
+              <a:t> Autonomous Program</a:t>
             </a:r>
           </a:p>
         </p:txBody>
@@ -14106,8 +14114,8 @@
         </p:nvSpPr>
         <p:spPr>
           <a:xfrm>
-            <a:off x="746620" y="2399251"/>
-            <a:ext cx="10695963" cy="4458749"/>
+            <a:off x="746620" y="2399252"/>
+            <a:ext cx="10695963" cy="3926048"/>
           </a:xfrm>
         </p:spPr>
         <p:txBody>

--- a/Lesson7/AdvancedRoboticsLesson7.pptx
+++ b/Lesson7/AdvancedRoboticsLesson7.pptx
@@ -13891,7 +13891,7 @@
           <a:p>
             <a:r>
               <a:rPr lang="en-US" dirty="0"/>
-              <a:t>Example: Timed Drive</a:t>
+              <a:t>Exercise: Timed Drive Autonomous</a:t>
             </a:r>
           </a:p>
         </p:txBody>
@@ -14087,11 +14087,11 @@
             </a:r>
             <a:r>
               <a:rPr lang="en-US" dirty="0" err="1"/>
-              <a:t>Steamwork</a:t>
-            </a:r>
-            <a:r>
-              <a:rPr lang="en-US" dirty="0"/>
-              <a:t> Autonomous Program</a:t>
+              <a:t>Steamworks</a:t>
+            </a:r>
+            <a:r>
+              <a:rPr lang="en-US" dirty="0"/>
+              <a:t> Autonomous</a:t>
             </a:r>
           </a:p>
         </p:txBody>
@@ -14169,8 +14169,13 @@
             <a:pPr lvl="1"/>
             <a:r>
               <a:rPr lang="en-US" dirty="0"/>
-              <a:t>Deploy the gear.</a:t>
-            </a:r>
+              <a:t>Deploy the gear </a:t>
+            </a:r>
+            <a:r>
+              <a:rPr lang="en-US"/>
+              <a:t>using pneumatics.</a:t>
+            </a:r>
+            <a:endParaRPr lang="en-US" dirty="0"/>
           </a:p>
           <a:p>
             <a:pPr lvl="1"/>
@@ -14355,6 +14360,21 @@
             <a:r>
               <a:rPr lang="en-US" dirty="0"/>
               <a:t>Exercise: Timed Drive Autonomous</a:t>
+            </a:r>
+          </a:p>
+          <a:p>
+            <a:pPr lvl="1"/>
+            <a:r>
+              <a:rPr lang="en-US" dirty="0"/>
+              <a:t>Exercise: </a:t>
+            </a:r>
+            <a:r>
+              <a:rPr lang="en-US" dirty="0" err="1"/>
+              <a:t>Steamworks</a:t>
+            </a:r>
+            <a:r>
+              <a:rPr lang="en-US" dirty="0"/>
+              <a:t> Autonomous</a:t>
             </a:r>
           </a:p>
         </p:txBody>

--- a/Lesson7/AdvancedRoboticsLesson7.pptx
+++ b/Lesson7/AdvancedRoboticsLesson7.pptx
@@ -5,7 +5,7 @@
     <p:sldMasterId id="2147483648" r:id="rId1"/>
   </p:sldMasterIdLst>
   <p:notesMasterIdLst>
-    <p:notesMasterId r:id="rId14"/>
+    <p:notesMasterId r:id="rId19"/>
   </p:notesMasterIdLst>
   <p:sldIdLst>
     <p:sldId id="266" r:id="rId2"/>
@@ -20,6 +20,11 @@
     <p:sldId id="284" r:id="rId11"/>
     <p:sldId id="283" r:id="rId12"/>
     <p:sldId id="285" r:id="rId13"/>
+    <p:sldId id="286" r:id="rId14"/>
+    <p:sldId id="287" r:id="rId15"/>
+    <p:sldId id="288" r:id="rId16"/>
+    <p:sldId id="289" r:id="rId17"/>
+    <p:sldId id="290" r:id="rId18"/>
   </p:sldIdLst>
   <p:sldSz cx="12192000" cy="6858000"/>
   <p:notesSz cx="6858000" cy="9144000"/>
@@ -13920,7 +13925,7 @@
         </p:spPr>
         <p:txBody>
           <a:bodyPr>
-            <a:normAutofit lnSpcReduction="10000"/>
+            <a:normAutofit/>
           </a:bodyPr>
           <a:lstStyle/>
           <a:p>
@@ -13948,13 +13953,6 @@
             <a:pPr lvl="1"/>
             <a:r>
               <a:rPr lang="en-US" dirty="0"/>
-              <a:t>Create and configure an IMU (i.e. gyro among other things).</a:t>
-            </a:r>
-          </a:p>
-          <a:p>
-            <a:pPr lvl="1"/>
-            <a:r>
-              <a:rPr lang="en-US" dirty="0"/>
               <a:t>Create and configure a </a:t>
             </a:r>
             <a:r>
@@ -13977,7 +13975,7 @@
             <a:pPr lvl="1"/>
             <a:r>
               <a:rPr lang="en-US" dirty="0"/>
-              <a:t>Write code in the robot command module to run a state machine running the robot base in forward for a given number of seconds. Stop the robot at the end of the run.</a:t>
+              <a:t>Write code in the robot command module to run a state machine running the robot base in a given direction for a given number of seconds. Stop the robot at the end of the run.</a:t>
             </a:r>
           </a:p>
           <a:p>
@@ -14169,13 +14167,8 @@
             <a:pPr lvl="1"/>
             <a:r>
               <a:rPr lang="en-US" dirty="0"/>
-              <a:t>Deploy the gear </a:t>
-            </a:r>
-            <a:r>
-              <a:rPr lang="en-US"/>
-              <a:t>using pneumatics.</a:t>
-            </a:r>
-            <a:endParaRPr lang="en-US" dirty="0"/>
+              <a:t>Deploy the gear using pneumatics.</a:t>
+            </a:r>
           </a:p>
           <a:p>
             <a:pPr lvl="1"/>
@@ -14215,6 +14208,921 @@
     <p:extLst>
       <p:ext uri="{BB962C8B-B14F-4D97-AF65-F5344CB8AC3E}">
         <p14:creationId xmlns:p14="http://schemas.microsoft.com/office/powerpoint/2010/main" val="625866316"/>
+      </p:ext>
+    </p:extLst>
+  </p:cSld>
+  <p:clrMapOvr>
+    <a:masterClrMapping/>
+  </p:clrMapOvr>
+</p:sld>
+</file>
+
+<file path=ppt/slides/slide13.xml><?xml version="1.0" encoding="utf-8"?>
+<p:sld xmlns:a="http://schemas.openxmlformats.org/drawingml/2006/main" xmlns:r="http://schemas.openxmlformats.org/officeDocument/2006/relationships" xmlns:p="http://schemas.openxmlformats.org/presentationml/2006/main">
+  <p:cSld>
+    <p:spTree>
+      <p:nvGrpSpPr>
+        <p:cNvPr id="1" name=""/>
+        <p:cNvGrpSpPr/>
+        <p:nvPr/>
+      </p:nvGrpSpPr>
+      <p:grpSpPr>
+        <a:xfrm>
+          <a:off x="0" y="0"/>
+          <a:ext cx="0" cy="0"/>
+          <a:chOff x="0" y="0"/>
+          <a:chExt cx="0" cy="0"/>
+        </a:xfrm>
+      </p:grpSpPr>
+      <p:sp>
+        <p:nvSpPr>
+          <p:cNvPr id="2" name="Title 1">
+            <a:extLst>
+              <a:ext uri="{FF2B5EF4-FFF2-40B4-BE49-F238E27FC236}">
+                <a16:creationId xmlns:a16="http://schemas.microsoft.com/office/drawing/2014/main" id="{282A8D01-1FE9-42B9-A0BD-DBD0156D9EB0}"/>
+              </a:ext>
+            </a:extLst>
+          </p:cNvPr>
+          <p:cNvSpPr>
+            <a:spLocks noGrp="1"/>
+          </p:cNvSpPr>
+          <p:nvPr>
+            <p:ph type="title"/>
+          </p:nvPr>
+        </p:nvSpPr>
+        <p:spPr/>
+        <p:txBody>
+          <a:bodyPr/>
+          <a:lstStyle/>
+          <a:p>
+            <a:r>
+              <a:rPr lang="en-US" dirty="0"/>
+              <a:t>Task</a:t>
+            </a:r>
+          </a:p>
+        </p:txBody>
+      </p:sp>
+      <p:sp>
+        <p:nvSpPr>
+          <p:cNvPr id="3" name="Content Placeholder 2">
+            <a:extLst>
+              <a:ext uri="{FF2B5EF4-FFF2-40B4-BE49-F238E27FC236}">
+                <a16:creationId xmlns:a16="http://schemas.microsoft.com/office/drawing/2014/main" id="{D15DA096-4A48-4653-8C3D-4149A5E29EBD}"/>
+              </a:ext>
+            </a:extLst>
+          </p:cNvPr>
+          <p:cNvSpPr>
+            <a:spLocks noGrp="1"/>
+          </p:cNvSpPr>
+          <p:nvPr>
+            <p:ph idx="1"/>
+          </p:nvPr>
+        </p:nvSpPr>
+        <p:spPr>
+          <a:xfrm>
+            <a:off x="536896" y="2281805"/>
+            <a:ext cx="10922466" cy="4412609"/>
+          </a:xfrm>
+        </p:spPr>
+        <p:txBody>
+          <a:bodyPr>
+            <a:normAutofit/>
+          </a:bodyPr>
+          <a:lstStyle/>
+          <a:p>
+            <a:r>
+              <a:rPr lang="en-US" dirty="0"/>
+              <a:t>Task is multi-tasking unit. It contains code to be run in a multi-tasking thread. You can register a task to be execute at a certain time by a certain thread.</a:t>
+            </a:r>
+          </a:p>
+          <a:p>
+            <a:r>
+              <a:rPr lang="en-US" dirty="0"/>
+              <a:t>In Titan Robotics Framework, there are many task types you can register:</a:t>
+            </a:r>
+          </a:p>
+          <a:p>
+            <a:pPr lvl="1"/>
+            <a:r>
+              <a:rPr lang="en-US" dirty="0"/>
+              <a:t>START_TASK – runs in the main robot thread before a robot mode starts.</a:t>
+            </a:r>
+          </a:p>
+          <a:p>
+            <a:pPr lvl="1"/>
+            <a:r>
+              <a:rPr lang="en-US" dirty="0"/>
+              <a:t>STOP_TASK – runs in the main robot thread before a robot mode stops.</a:t>
+            </a:r>
+          </a:p>
+          <a:p>
+            <a:pPr lvl="1"/>
+            <a:r>
+              <a:rPr lang="en-US" dirty="0"/>
+              <a:t>PREPERIODIC_TASK – runs in the main robot thread before </a:t>
+            </a:r>
+            <a:r>
+              <a:rPr lang="en-US" dirty="0" err="1"/>
+              <a:t>runPeriodic</a:t>
+            </a:r>
+            <a:r>
+              <a:rPr lang="en-US" dirty="0"/>
+              <a:t> method is called.</a:t>
+            </a:r>
+          </a:p>
+          <a:p>
+            <a:pPr lvl="1"/>
+            <a:r>
+              <a:rPr lang="en-US" dirty="0"/>
+              <a:t>POSTPERIODIC_TASK – runs in the main robot thread after </a:t>
+            </a:r>
+            <a:r>
+              <a:rPr lang="en-US" dirty="0" err="1"/>
+              <a:t>runPeriodic</a:t>
+            </a:r>
+            <a:r>
+              <a:rPr lang="en-US" dirty="0"/>
+              <a:t> method is called.</a:t>
+            </a:r>
+          </a:p>
+          <a:p>
+            <a:pPr lvl="1"/>
+            <a:r>
+              <a:rPr lang="en-US" dirty="0"/>
+              <a:t>PRECONTINUOUS_TASK – runs in the main robot thread before </a:t>
+            </a:r>
+            <a:r>
+              <a:rPr lang="en-US" dirty="0" err="1"/>
+              <a:t>runContinuous</a:t>
+            </a:r>
+            <a:r>
+              <a:rPr lang="en-US" dirty="0"/>
+              <a:t> method is called.</a:t>
+            </a:r>
+          </a:p>
+          <a:p>
+            <a:pPr lvl="1"/>
+            <a:r>
+              <a:rPr lang="en-US" dirty="0"/>
+              <a:t>POSTCONTINUOUS_TASK – runs in the main robot thread after </a:t>
+            </a:r>
+            <a:r>
+              <a:rPr lang="en-US" dirty="0" err="1"/>
+              <a:t>runContinuous</a:t>
+            </a:r>
+            <a:r>
+              <a:rPr lang="en-US" dirty="0"/>
+              <a:t> method is called.</a:t>
+            </a:r>
+          </a:p>
+          <a:p>
+            <a:pPr lvl="1"/>
+            <a:r>
+              <a:rPr lang="en-US" dirty="0"/>
+              <a:t>INPUT_TASK – runs in the input thread.</a:t>
+            </a:r>
+          </a:p>
+          <a:p>
+            <a:pPr lvl="1"/>
+            <a:r>
+              <a:rPr lang="en-US" dirty="0"/>
+              <a:t>OUTPUT_TASK – runs in the output thread.</a:t>
+            </a:r>
+          </a:p>
+          <a:p>
+            <a:pPr lvl="1"/>
+            <a:r>
+              <a:rPr lang="en-US" dirty="0"/>
+              <a:t>STANDALONE_TASK – runs in a standalone thread.</a:t>
+            </a:r>
+          </a:p>
+        </p:txBody>
+      </p:sp>
+    </p:spTree>
+    <p:extLst>
+      <p:ext uri="{BB962C8B-B14F-4D97-AF65-F5344CB8AC3E}">
+        <p14:creationId xmlns:p14="http://schemas.microsoft.com/office/powerpoint/2010/main" val="1824153738"/>
+      </p:ext>
+    </p:extLst>
+  </p:cSld>
+  <p:clrMapOvr>
+    <a:masterClrMapping/>
+  </p:clrMapOvr>
+</p:sld>
+</file>
+
+<file path=ppt/slides/slide14.xml><?xml version="1.0" encoding="utf-8"?>
+<p:sld xmlns:a="http://schemas.openxmlformats.org/drawingml/2006/main" xmlns:r="http://schemas.openxmlformats.org/officeDocument/2006/relationships" xmlns:p="http://schemas.openxmlformats.org/presentationml/2006/main">
+  <p:cSld>
+    <p:spTree>
+      <p:nvGrpSpPr>
+        <p:cNvPr id="1" name=""/>
+        <p:cNvGrpSpPr/>
+        <p:nvPr/>
+      </p:nvGrpSpPr>
+      <p:grpSpPr>
+        <a:xfrm>
+          <a:off x="0" y="0"/>
+          <a:ext cx="0" cy="0"/>
+          <a:chOff x="0" y="0"/>
+          <a:chExt cx="0" cy="0"/>
+        </a:xfrm>
+      </p:grpSpPr>
+      <p:sp>
+        <p:nvSpPr>
+          <p:cNvPr id="2" name="Title 1">
+            <a:extLst>
+              <a:ext uri="{FF2B5EF4-FFF2-40B4-BE49-F238E27FC236}">
+                <a16:creationId xmlns:a16="http://schemas.microsoft.com/office/drawing/2014/main" id="{F7E86954-9017-4520-89BA-A466DEE2F489}"/>
+              </a:ext>
+            </a:extLst>
+          </p:cNvPr>
+          <p:cNvSpPr>
+            <a:spLocks noGrp="1"/>
+          </p:cNvSpPr>
+          <p:nvPr>
+            <p:ph type="title"/>
+          </p:nvPr>
+        </p:nvSpPr>
+        <p:spPr/>
+        <p:txBody>
+          <a:bodyPr/>
+          <a:lstStyle/>
+          <a:p>
+            <a:r>
+              <a:rPr lang="en-US" dirty="0"/>
+              <a:t>Main Robot Thread</a:t>
+            </a:r>
+          </a:p>
+        </p:txBody>
+      </p:sp>
+      <p:sp>
+        <p:nvSpPr>
+          <p:cNvPr id="3" name="Content Placeholder 2">
+            <a:extLst>
+              <a:ext uri="{FF2B5EF4-FFF2-40B4-BE49-F238E27FC236}">
+                <a16:creationId xmlns:a16="http://schemas.microsoft.com/office/drawing/2014/main" id="{DACF13E4-B27B-4AC9-8EA4-91B950C6BD49}"/>
+              </a:ext>
+            </a:extLst>
+          </p:cNvPr>
+          <p:cNvSpPr>
+            <a:spLocks noGrp="1"/>
+          </p:cNvSpPr>
+          <p:nvPr>
+            <p:ph idx="1"/>
+          </p:nvPr>
+        </p:nvSpPr>
+        <p:spPr>
+          <a:xfrm>
+            <a:off x="528506" y="2424418"/>
+            <a:ext cx="11081857" cy="4211273"/>
+          </a:xfrm>
+        </p:spPr>
+        <p:txBody>
+          <a:bodyPr>
+            <a:normAutofit fontScale="70000" lnSpcReduction="20000"/>
+          </a:bodyPr>
+          <a:lstStyle/>
+          <a:p>
+            <a:r>
+              <a:rPr lang="en-US" dirty="0"/>
+              <a:t>When the robot is powered up, the following sequence is executed in the main robot thread. </a:t>
+            </a:r>
+          </a:p>
+          <a:p>
+            <a:pPr lvl="1">
+              <a:buFont typeface="+mj-lt"/>
+              <a:buAutoNum type="arabicPeriod"/>
+            </a:pPr>
+            <a:r>
+              <a:rPr lang="en-US" dirty="0"/>
+              <a:t>Execute </a:t>
+            </a:r>
+            <a:r>
+              <a:rPr lang="en-US" dirty="0" err="1"/>
+              <a:t>Robot.robotInit</a:t>
+            </a:r>
+            <a:r>
+              <a:rPr lang="en-US" dirty="0"/>
+              <a:t> method to create/initialize robot hardware, set initial robot mode to </a:t>
+            </a:r>
+            <a:r>
+              <a:rPr lang="en-US" dirty="0" err="1"/>
+              <a:t>DisabledMode</a:t>
+            </a:r>
+            <a:r>
+              <a:rPr lang="en-US" dirty="0"/>
+              <a:t>.</a:t>
+            </a:r>
+          </a:p>
+          <a:p>
+            <a:pPr lvl="1">
+              <a:buFont typeface="+mj-lt"/>
+              <a:buAutoNum type="arabicPeriod"/>
+            </a:pPr>
+            <a:r>
+              <a:rPr lang="en-US" dirty="0"/>
+              <a:t>Execute </a:t>
+            </a:r>
+            <a:r>
+              <a:rPr lang="en-US" dirty="0" err="1"/>
+              <a:t>Robot.robotStartMode</a:t>
+            </a:r>
+            <a:r>
+              <a:rPr lang="en-US" dirty="0"/>
+              <a:t> method to initialize robot not specific to the robot mode.</a:t>
+            </a:r>
+          </a:p>
+          <a:p>
+            <a:pPr lvl="1">
+              <a:buFont typeface="+mj-lt"/>
+              <a:buAutoNum type="arabicPeriod"/>
+            </a:pPr>
+            <a:r>
+              <a:rPr lang="en-US" dirty="0"/>
+              <a:t>Execute </a:t>
+            </a:r>
+            <a:r>
+              <a:rPr lang="en-US" dirty="0" err="1"/>
+              <a:t>TrcRobot.RobotMode.startMode</a:t>
+            </a:r>
+            <a:r>
+              <a:rPr lang="en-US" dirty="0"/>
+              <a:t> method to initialize robot specific to the robot mode.</a:t>
+            </a:r>
+          </a:p>
+          <a:p>
+            <a:pPr lvl="1">
+              <a:buFont typeface="+mj-lt"/>
+              <a:buAutoNum type="arabicPeriod"/>
+            </a:pPr>
+            <a:r>
+              <a:rPr lang="en-US" dirty="0"/>
+              <a:t>Execute all registered START_TASK.</a:t>
+            </a:r>
+          </a:p>
+          <a:p>
+            <a:pPr lvl="1">
+              <a:buFont typeface="+mj-lt"/>
+              <a:buAutoNum type="arabicPeriod"/>
+            </a:pPr>
+            <a:r>
+              <a:rPr lang="en-US" dirty="0"/>
+              <a:t>Execute all registered PRECONTINUOUS_TASK.</a:t>
+            </a:r>
+          </a:p>
+          <a:p>
+            <a:pPr lvl="1">
+              <a:buFont typeface="+mj-lt"/>
+              <a:buAutoNum type="arabicPeriod"/>
+            </a:pPr>
+            <a:r>
+              <a:rPr lang="en-US" dirty="0"/>
+              <a:t>If periodic ready, execute all registered PREPERIODIC_TASK.</a:t>
+            </a:r>
+          </a:p>
+          <a:p>
+            <a:pPr lvl="1">
+              <a:buFont typeface="+mj-lt"/>
+              <a:buAutoNum type="arabicPeriod"/>
+            </a:pPr>
+            <a:r>
+              <a:rPr lang="en-US" dirty="0"/>
+              <a:t>Execute </a:t>
+            </a:r>
+            <a:r>
+              <a:rPr lang="en-US" dirty="0" err="1"/>
+              <a:t>runContinuous</a:t>
+            </a:r>
+            <a:r>
+              <a:rPr lang="en-US" dirty="0"/>
+              <a:t> method.</a:t>
+            </a:r>
+          </a:p>
+          <a:p>
+            <a:pPr lvl="1">
+              <a:buFont typeface="+mj-lt"/>
+              <a:buAutoNum type="arabicPeriod"/>
+            </a:pPr>
+            <a:r>
+              <a:rPr lang="en-US" dirty="0"/>
+              <a:t>If periodic ready, execute </a:t>
+            </a:r>
+            <a:r>
+              <a:rPr lang="en-US" dirty="0" err="1"/>
+              <a:t>runPeriodic</a:t>
+            </a:r>
+            <a:r>
+              <a:rPr lang="en-US" dirty="0"/>
+              <a:t> method.</a:t>
+            </a:r>
+          </a:p>
+          <a:p>
+            <a:pPr lvl="1">
+              <a:buFont typeface="+mj-lt"/>
+              <a:buAutoNum type="arabicPeriod"/>
+            </a:pPr>
+            <a:r>
+              <a:rPr lang="en-US" dirty="0"/>
+              <a:t>Execute all registered POSTCONTINUOUS_TASK.</a:t>
+            </a:r>
+          </a:p>
+          <a:p>
+            <a:pPr lvl="1">
+              <a:buFont typeface="+mj-lt"/>
+              <a:buAutoNum type="arabicPeriod"/>
+            </a:pPr>
+            <a:r>
+              <a:rPr lang="en-US" dirty="0"/>
+              <a:t>If periodic ready, execute all registered POSTPERIODIC_TASK.</a:t>
+            </a:r>
+          </a:p>
+          <a:p>
+            <a:pPr lvl="1">
+              <a:buFont typeface="+mj-lt"/>
+              <a:buAutoNum type="arabicPeriod"/>
+            </a:pPr>
+            <a:r>
+              <a:rPr lang="en-US" dirty="0"/>
+              <a:t>If robot is staying in the same mode, go back to step 5, otherwise transition to the next mode by going to next step.</a:t>
+            </a:r>
+          </a:p>
+          <a:p>
+            <a:pPr lvl="1">
+              <a:buFont typeface="+mj-lt"/>
+              <a:buAutoNum type="arabicPeriod"/>
+            </a:pPr>
+            <a:r>
+              <a:rPr lang="en-US" dirty="0"/>
+              <a:t>Execute all registered STOP_TASK.</a:t>
+            </a:r>
+          </a:p>
+          <a:p>
+            <a:pPr lvl="1">
+              <a:buFont typeface="+mj-lt"/>
+              <a:buAutoNum type="arabicPeriod"/>
+            </a:pPr>
+            <a:r>
+              <a:rPr lang="en-US" dirty="0"/>
+              <a:t>Execute </a:t>
+            </a:r>
+            <a:r>
+              <a:rPr lang="en-US" dirty="0" err="1"/>
+              <a:t>TrcRobot.Robot.RobotMode.stopMode</a:t>
+            </a:r>
+            <a:r>
+              <a:rPr lang="en-US" dirty="0"/>
+              <a:t> method to do cleanup specific to the previous robot mode.</a:t>
+            </a:r>
+          </a:p>
+          <a:p>
+            <a:pPr lvl="1">
+              <a:buFont typeface="+mj-lt"/>
+              <a:buAutoNum type="arabicPeriod"/>
+            </a:pPr>
+            <a:r>
+              <a:rPr lang="en-US" dirty="0"/>
+              <a:t>Execute </a:t>
+            </a:r>
+            <a:r>
+              <a:rPr lang="en-US" dirty="0" err="1"/>
+              <a:t>Robot.robotStopMode</a:t>
+            </a:r>
+            <a:r>
+              <a:rPr lang="en-US" dirty="0"/>
+              <a:t> method to do cleanup not specific to the robot mode.</a:t>
+            </a:r>
+          </a:p>
+          <a:p>
+            <a:pPr lvl="1">
+              <a:buFont typeface="+mj-lt"/>
+              <a:buAutoNum type="arabicPeriod"/>
+            </a:pPr>
+            <a:r>
+              <a:rPr lang="en-US" dirty="0"/>
+              <a:t>Go to step 2.</a:t>
+            </a:r>
+          </a:p>
+        </p:txBody>
+      </p:sp>
+    </p:spTree>
+    <p:extLst>
+      <p:ext uri="{BB962C8B-B14F-4D97-AF65-F5344CB8AC3E}">
+        <p14:creationId xmlns:p14="http://schemas.microsoft.com/office/powerpoint/2010/main" val="1699321020"/>
+      </p:ext>
+    </p:extLst>
+  </p:cSld>
+  <p:clrMapOvr>
+    <a:masterClrMapping/>
+  </p:clrMapOvr>
+</p:sld>
+</file>
+
+<file path=ppt/slides/slide15.xml><?xml version="1.0" encoding="utf-8"?>
+<p:sld xmlns:a="http://schemas.openxmlformats.org/drawingml/2006/main" xmlns:r="http://schemas.openxmlformats.org/officeDocument/2006/relationships" xmlns:p="http://schemas.openxmlformats.org/presentationml/2006/main">
+  <p:cSld>
+    <p:spTree>
+      <p:nvGrpSpPr>
+        <p:cNvPr id="1" name=""/>
+        <p:cNvGrpSpPr/>
+        <p:nvPr/>
+      </p:nvGrpSpPr>
+      <p:grpSpPr>
+        <a:xfrm>
+          <a:off x="0" y="0"/>
+          <a:ext cx="0" cy="0"/>
+          <a:chOff x="0" y="0"/>
+          <a:chExt cx="0" cy="0"/>
+        </a:xfrm>
+      </p:grpSpPr>
+      <p:sp>
+        <p:nvSpPr>
+          <p:cNvPr id="2" name="Title 1">
+            <a:extLst>
+              <a:ext uri="{FF2B5EF4-FFF2-40B4-BE49-F238E27FC236}">
+                <a16:creationId xmlns:a16="http://schemas.microsoft.com/office/drawing/2014/main" id="{2183E748-F763-484E-A805-8B8F2062EEFF}"/>
+              </a:ext>
+            </a:extLst>
+          </p:cNvPr>
+          <p:cNvSpPr>
+            <a:spLocks noGrp="1"/>
+          </p:cNvSpPr>
+          <p:nvPr>
+            <p:ph type="title"/>
+          </p:nvPr>
+        </p:nvSpPr>
+        <p:spPr/>
+        <p:txBody>
+          <a:bodyPr/>
+          <a:lstStyle/>
+          <a:p>
+            <a:r>
+              <a:rPr lang="en-US" dirty="0"/>
+              <a:t>Other Threads</a:t>
+            </a:r>
+          </a:p>
+        </p:txBody>
+      </p:sp>
+      <p:sp>
+        <p:nvSpPr>
+          <p:cNvPr id="3" name="Content Placeholder 2">
+            <a:extLst>
+              <a:ext uri="{FF2B5EF4-FFF2-40B4-BE49-F238E27FC236}">
+                <a16:creationId xmlns:a16="http://schemas.microsoft.com/office/drawing/2014/main" id="{99C593B9-AD31-4555-9206-7BBFE0CA4643}"/>
+              </a:ext>
+            </a:extLst>
+          </p:cNvPr>
+          <p:cNvSpPr>
+            <a:spLocks noGrp="1"/>
+          </p:cNvSpPr>
+          <p:nvPr>
+            <p:ph idx="1"/>
+          </p:nvPr>
+        </p:nvSpPr>
+        <p:spPr>
+          <a:xfrm>
+            <a:off x="511728" y="2603500"/>
+            <a:ext cx="10997967" cy="3416300"/>
+          </a:xfrm>
+        </p:spPr>
+        <p:txBody>
+          <a:bodyPr/>
+          <a:lstStyle/>
+          <a:p>
+            <a:r>
+              <a:rPr lang="en-US" dirty="0"/>
+              <a:t>Input Thread: All registered INPUT_TASKs run in the Input Thread. Generally deals with reading sensors and input states.</a:t>
+            </a:r>
+          </a:p>
+          <a:p>
+            <a:r>
+              <a:rPr lang="en-US" dirty="0"/>
+              <a:t>Output Thread: All registered OUTPUT_TASKs run in the Output Thread. Generally deals with any kind of actuators and status indicators.</a:t>
+            </a:r>
+          </a:p>
+          <a:p>
+            <a:r>
+              <a:rPr lang="en-US" dirty="0"/>
+              <a:t>Standalone Thread: Every registered STANDALONE_TASK has its own thread. Generally used for very high performance tasks that require high frequency execution and low latency.</a:t>
+            </a:r>
+          </a:p>
+        </p:txBody>
+      </p:sp>
+    </p:spTree>
+    <p:extLst>
+      <p:ext uri="{BB962C8B-B14F-4D97-AF65-F5344CB8AC3E}">
+        <p14:creationId xmlns:p14="http://schemas.microsoft.com/office/powerpoint/2010/main" val="3761069719"/>
+      </p:ext>
+    </p:extLst>
+  </p:cSld>
+  <p:clrMapOvr>
+    <a:masterClrMapping/>
+  </p:clrMapOvr>
+</p:sld>
+</file>
+
+<file path=ppt/slides/slide16.xml><?xml version="1.0" encoding="utf-8"?>
+<p:sld xmlns:a="http://schemas.openxmlformats.org/drawingml/2006/main" xmlns:r="http://schemas.openxmlformats.org/officeDocument/2006/relationships" xmlns:p="http://schemas.openxmlformats.org/presentationml/2006/main">
+  <p:cSld>
+    <p:spTree>
+      <p:nvGrpSpPr>
+        <p:cNvPr id="1" name=""/>
+        <p:cNvGrpSpPr/>
+        <p:nvPr/>
+      </p:nvGrpSpPr>
+      <p:grpSpPr>
+        <a:xfrm>
+          <a:off x="0" y="0"/>
+          <a:ext cx="0" cy="0"/>
+          <a:chOff x="0" y="0"/>
+          <a:chExt cx="0" cy="0"/>
+        </a:xfrm>
+      </p:grpSpPr>
+      <p:sp>
+        <p:nvSpPr>
+          <p:cNvPr id="2" name="Title 1">
+            <a:extLst>
+              <a:ext uri="{FF2B5EF4-FFF2-40B4-BE49-F238E27FC236}">
+                <a16:creationId xmlns:a16="http://schemas.microsoft.com/office/drawing/2014/main" id="{FD554EF8-868C-469D-8C7F-0758EBF139A3}"/>
+              </a:ext>
+            </a:extLst>
+          </p:cNvPr>
+          <p:cNvSpPr>
+            <a:spLocks noGrp="1"/>
+          </p:cNvSpPr>
+          <p:nvPr>
+            <p:ph type="title"/>
+          </p:nvPr>
+        </p:nvSpPr>
+        <p:spPr/>
+        <p:txBody>
+          <a:bodyPr/>
+          <a:lstStyle/>
+          <a:p>
+            <a:r>
+              <a:rPr lang="en-US" dirty="0"/>
+              <a:t>Task Manager</a:t>
+            </a:r>
+          </a:p>
+        </p:txBody>
+      </p:sp>
+      <p:sp>
+        <p:nvSpPr>
+          <p:cNvPr id="3" name="Content Placeholder 2">
+            <a:extLst>
+              <a:ext uri="{FF2B5EF4-FFF2-40B4-BE49-F238E27FC236}">
+                <a16:creationId xmlns:a16="http://schemas.microsoft.com/office/drawing/2014/main" id="{B8AFB730-F688-4F95-A5CF-DC83A05E46D3}"/>
+              </a:ext>
+            </a:extLst>
+          </p:cNvPr>
+          <p:cNvSpPr>
+            <a:spLocks noGrp="1"/>
+          </p:cNvSpPr>
+          <p:nvPr>
+            <p:ph idx="1"/>
+          </p:nvPr>
+        </p:nvSpPr>
+        <p:spPr>
+          <a:xfrm>
+            <a:off x="1154954" y="2298583"/>
+            <a:ext cx="10363130" cy="4311941"/>
+          </a:xfrm>
+        </p:spPr>
+        <p:txBody>
+          <a:bodyPr/>
+          <a:lstStyle/>
+          <a:p>
+            <a:r>
+              <a:rPr lang="en-US" dirty="0" err="1"/>
+              <a:t>TrcTaskMgr</a:t>
+            </a:r>
+            <a:r>
+              <a:rPr lang="en-US" dirty="0"/>
+              <a:t> manages tasks. It provides methods to create/register/unregister tasks of different task types.</a:t>
+            </a:r>
+          </a:p>
+          <a:p>
+            <a:r>
+              <a:rPr lang="en-US" dirty="0" err="1"/>
+              <a:t>TrcTaskMgr</a:t>
+            </a:r>
+            <a:r>
+              <a:rPr lang="en-US" dirty="0"/>
+              <a:t> is a singleton that exists on first use: </a:t>
+            </a:r>
+            <a:r>
+              <a:rPr lang="en-US" dirty="0" err="1"/>
+              <a:t>TrcTaskMgr.getInstance</a:t>
+            </a:r>
+            <a:r>
+              <a:rPr lang="en-US" dirty="0"/>
+              <a:t>()</a:t>
+            </a:r>
+          </a:p>
+          <a:p>
+            <a:r>
+              <a:rPr lang="en-US" dirty="0"/>
+              <a:t>Once you obtain the </a:t>
+            </a:r>
+            <a:r>
+              <a:rPr lang="en-US" dirty="0" err="1"/>
+              <a:t>taskMgr</a:t>
+            </a:r>
+            <a:r>
+              <a:rPr lang="en-US" dirty="0"/>
+              <a:t> instance, it provides the following method to create a task object:</a:t>
+            </a:r>
+          </a:p>
+          <a:p>
+            <a:pPr lvl="1"/>
+            <a:r>
+              <a:rPr lang="en-US" dirty="0" err="1"/>
+              <a:t>createTaskObj</a:t>
+            </a:r>
+            <a:r>
+              <a:rPr lang="en-US" dirty="0"/>
+              <a:t> – instance name of the task and the method that contains the code for the task.</a:t>
+            </a:r>
+          </a:p>
+          <a:p>
+            <a:r>
+              <a:rPr lang="en-US" dirty="0"/>
+              <a:t>The task object provides the following methods:</a:t>
+            </a:r>
+          </a:p>
+          <a:p>
+            <a:pPr lvl="1"/>
+            <a:r>
+              <a:rPr lang="en-US" dirty="0" err="1"/>
+              <a:t>registerTask</a:t>
+            </a:r>
+            <a:r>
+              <a:rPr lang="en-US" dirty="0"/>
+              <a:t> – task type the task will be registered for. A task can register for multiple task types.</a:t>
+            </a:r>
+          </a:p>
+          <a:p>
+            <a:pPr lvl="1"/>
+            <a:r>
+              <a:rPr lang="en-US" dirty="0" err="1"/>
+              <a:t>unregisterTask</a:t>
+            </a:r>
+            <a:r>
+              <a:rPr lang="en-US" dirty="0"/>
+              <a:t> – task type the task will be unregistered or to unregister all task types.</a:t>
+            </a:r>
+          </a:p>
+          <a:p>
+            <a:r>
+              <a:rPr lang="en-US" dirty="0"/>
+              <a:t>When a task is registered for a task type, its task method will be called at the appropriate time on the appropriate thread depending on the task type.</a:t>
+            </a:r>
+          </a:p>
+        </p:txBody>
+      </p:sp>
+    </p:spTree>
+    <p:extLst>
+      <p:ext uri="{BB962C8B-B14F-4D97-AF65-F5344CB8AC3E}">
+        <p14:creationId xmlns:p14="http://schemas.microsoft.com/office/powerpoint/2010/main" val="2538705854"/>
+      </p:ext>
+    </p:extLst>
+  </p:cSld>
+  <p:clrMapOvr>
+    <a:masterClrMapping/>
+  </p:clrMapOvr>
+</p:sld>
+</file>
+
+<file path=ppt/slides/slide17.xml><?xml version="1.0" encoding="utf-8"?>
+<p:sld xmlns:a="http://schemas.openxmlformats.org/drawingml/2006/main" xmlns:r="http://schemas.openxmlformats.org/officeDocument/2006/relationships" xmlns:p="http://schemas.openxmlformats.org/presentationml/2006/main">
+  <p:cSld>
+    <p:spTree>
+      <p:nvGrpSpPr>
+        <p:cNvPr id="1" name=""/>
+        <p:cNvGrpSpPr/>
+        <p:nvPr/>
+      </p:nvGrpSpPr>
+      <p:grpSpPr>
+        <a:xfrm>
+          <a:off x="0" y="0"/>
+          <a:ext cx="0" cy="0"/>
+          <a:chOff x="0" y="0"/>
+          <a:chExt cx="0" cy="0"/>
+        </a:xfrm>
+      </p:grpSpPr>
+      <p:sp>
+        <p:nvSpPr>
+          <p:cNvPr id="2" name="Title 1">
+            <a:extLst>
+              <a:ext uri="{FF2B5EF4-FFF2-40B4-BE49-F238E27FC236}">
+                <a16:creationId xmlns:a16="http://schemas.microsoft.com/office/drawing/2014/main" id="{7E85E982-F322-4E32-8580-0BD17833C127}"/>
+              </a:ext>
+            </a:extLst>
+          </p:cNvPr>
+          <p:cNvSpPr>
+            <a:spLocks noGrp="1"/>
+          </p:cNvSpPr>
+          <p:nvPr>
+            <p:ph type="title"/>
+          </p:nvPr>
+        </p:nvSpPr>
+        <p:spPr/>
+        <p:txBody>
+          <a:bodyPr/>
+          <a:lstStyle/>
+          <a:p>
+            <a:r>
+              <a:rPr lang="en-US" dirty="0"/>
+              <a:t>Cautions on Multi-tasking</a:t>
+            </a:r>
+          </a:p>
+        </p:txBody>
+      </p:sp>
+      <p:sp>
+        <p:nvSpPr>
+          <p:cNvPr id="3" name="Content Placeholder 2">
+            <a:extLst>
+              <a:ext uri="{FF2B5EF4-FFF2-40B4-BE49-F238E27FC236}">
+                <a16:creationId xmlns:a16="http://schemas.microsoft.com/office/drawing/2014/main" id="{961DDFE1-1F8F-484E-94AD-68DD61CEA0C6}"/>
+              </a:ext>
+            </a:extLst>
+          </p:cNvPr>
+          <p:cNvSpPr>
+            <a:spLocks noGrp="1"/>
+          </p:cNvSpPr>
+          <p:nvPr>
+            <p:ph idx="1"/>
+          </p:nvPr>
+        </p:nvSpPr>
+        <p:spPr>
+          <a:xfrm>
+            <a:off x="478172" y="2256639"/>
+            <a:ext cx="11023134" cy="4454554"/>
+          </a:xfrm>
+        </p:spPr>
+        <p:txBody>
+          <a:bodyPr>
+            <a:normAutofit fontScale="92500" lnSpcReduction="20000"/>
+          </a:bodyPr>
+          <a:lstStyle/>
+          <a:p>
+            <a:r>
+              <a:rPr lang="en-US" dirty="0"/>
+              <a:t>Since multi-tasking involves multiple threads (main robot thread, input thread, output thread and some number of standalone threads), care must be taken to understand problems introduced in this kind of environment which are derived from two main issues.</a:t>
+            </a:r>
+          </a:p>
+          <a:p>
+            <a:pPr lvl="1"/>
+            <a:r>
+              <a:rPr lang="en-US" dirty="0"/>
+              <a:t>Resource contention – shared access to data.</a:t>
+            </a:r>
+          </a:p>
+          <a:p>
+            <a:pPr lvl="1"/>
+            <a:r>
+              <a:rPr lang="en-US" dirty="0"/>
+              <a:t>Synchronization – coordination between different threads.</a:t>
+            </a:r>
+          </a:p>
+          <a:p>
+            <a:r>
+              <a:rPr lang="en-US" dirty="0"/>
+              <a:t>Resource contention: shared data between multiple threads can be easily corrupted seemingly randomly. Solution is controlled atomic access to shared data.</a:t>
+            </a:r>
+          </a:p>
+          <a:p>
+            <a:r>
+              <a:rPr lang="en-US" dirty="0"/>
+              <a:t>Synchronization: multiple threads can run with different speeds. When one thread’s execution depends on calculations from another thread, one must make sure these threads are synchronized so one thread will get the proper result from another thread at appropriate time. Solution is synchronization notifications.</a:t>
+            </a:r>
+          </a:p>
+          <a:p>
+            <a:r>
+              <a:rPr lang="en-US" dirty="0"/>
+              <a:t>Solutions to these problems sometimes create more problems: e.g. deadlock or performance issues. That’s why multi-tasking programming is really hard. Should avoid it if possible. If unavoidable, try minimizing the problems: limit data sharing and the need for synchronization.</a:t>
+            </a:r>
+          </a:p>
+          <a:p>
+            <a:r>
+              <a:rPr lang="en-US" dirty="0"/>
+              <a:t>Fortunately, Titan Robotics Framework provides some mechanisms that will help in some aspects of multi-tasking. For example, </a:t>
+            </a:r>
+            <a:r>
+              <a:rPr lang="en-US" dirty="0" err="1"/>
+              <a:t>TrcEvent</a:t>
+            </a:r>
+            <a:r>
+              <a:rPr lang="en-US" dirty="0"/>
+              <a:t> provides synchronization notifications between threads.</a:t>
+            </a:r>
+          </a:p>
+        </p:txBody>
+      </p:sp>
+    </p:spTree>
+    <p:extLst>
+      <p:ext uri="{BB962C8B-B14F-4D97-AF65-F5344CB8AC3E}">
+        <p14:creationId xmlns:p14="http://schemas.microsoft.com/office/powerpoint/2010/main" val="545182063"/>
       </p:ext>
     </p:extLst>
   </p:cSld>
@@ -14293,7 +15201,7 @@
         </p:spPr>
         <p:txBody>
           <a:bodyPr>
-            <a:normAutofit/>
+            <a:normAutofit lnSpcReduction="10000"/>
           </a:bodyPr>
           <a:lstStyle/>
           <a:p>
@@ -14375,6 +15283,13 @@
             <a:r>
               <a:rPr lang="en-US" dirty="0"/>
               <a:t> Autonomous</a:t>
+            </a:r>
+          </a:p>
+          <a:p>
+            <a:pPr lvl="1"/>
+            <a:r>
+              <a:rPr lang="en-US" dirty="0"/>
+              <a:t>Task</a:t>
             </a:r>
           </a:p>
         </p:txBody>

--- a/Lesson7/AdvancedRoboticsLesson7.pptx
+++ b/Lesson7/AdvancedRoboticsLesson7.pptx
@@ -5,7 +5,7 @@
     <p:sldMasterId id="2147483648" r:id="rId1"/>
   </p:sldMasterIdLst>
   <p:notesMasterIdLst>
-    <p:notesMasterId r:id="rId19"/>
+    <p:notesMasterId r:id="rId21"/>
   </p:notesMasterIdLst>
   <p:sldIdLst>
     <p:sldId id="266" r:id="rId2"/>
@@ -17,14 +17,16 @@
     <p:sldId id="280" r:id="rId8"/>
     <p:sldId id="281" r:id="rId9"/>
     <p:sldId id="282" r:id="rId10"/>
-    <p:sldId id="284" r:id="rId11"/>
-    <p:sldId id="283" r:id="rId12"/>
-    <p:sldId id="285" r:id="rId13"/>
-    <p:sldId id="286" r:id="rId14"/>
-    <p:sldId id="287" r:id="rId15"/>
-    <p:sldId id="288" r:id="rId16"/>
-    <p:sldId id="289" r:id="rId17"/>
-    <p:sldId id="290" r:id="rId18"/>
+    <p:sldId id="291" r:id="rId11"/>
+    <p:sldId id="292" r:id="rId12"/>
+    <p:sldId id="284" r:id="rId13"/>
+    <p:sldId id="283" r:id="rId14"/>
+    <p:sldId id="285" r:id="rId15"/>
+    <p:sldId id="286" r:id="rId16"/>
+    <p:sldId id="287" r:id="rId17"/>
+    <p:sldId id="288" r:id="rId18"/>
+    <p:sldId id="289" r:id="rId19"/>
+    <p:sldId id="290" r:id="rId20"/>
   </p:sldIdLst>
   <p:sldSz cx="12192000" cy="6858000"/>
   <p:notesSz cx="6858000" cy="9144000"/>
@@ -213,7 +215,7 @@
           <a:p>
             <a:fld id="{88DFE0DC-517A-40C1-B3B1-8C641051689B}" type="datetimeFigureOut">
               <a:rPr lang="en-US" smtClean="0"/>
-              <a:t>12/26/2020</a:t>
+              <a:t>1/7/2021</a:t>
             </a:fld>
             <a:endParaRPr lang="en-US"/>
           </a:p>
@@ -900,7 +902,7 @@
             <a:fld id="{5923F103-BC34-4FE4-A40E-EDDEECFDA5D0}" type="datetimeFigureOut">
               <a:rPr lang="en-US" dirty="0"/>
               <a:pPr/>
-              <a:t>12/26/2020</a:t>
+              <a:t>1/7/2021</a:t>
             </a:fld>
             <a:endParaRPr lang="en-US" dirty="0"/>
           </a:p>
@@ -1984,7 +1986,7 @@
           <a:p>
             <a:fld id="{923A1CC3-2375-41D4-9E03-427CAF2A4C1A}" type="datetimeFigureOut">
               <a:rPr lang="en-US" dirty="0"/>
-              <a:t>12/26/2020</a:t>
+              <a:t>1/7/2021</a:t>
             </a:fld>
             <a:endParaRPr lang="en-US" dirty="0"/>
           </a:p>
@@ -2960,7 +2962,7 @@
           <a:p>
             <a:fld id="{AFF16868-8199-4C2C-A5B1-63AEE139F88E}" type="datetimeFigureOut">
               <a:rPr lang="en-US" dirty="0"/>
-              <a:t>12/26/2020</a:t>
+              <a:t>1/7/2021</a:t>
             </a:fld>
             <a:endParaRPr lang="en-US" dirty="0"/>
           </a:p>
@@ -4090,7 +4092,7 @@
           <a:p>
             <a:fld id="{AAD9FF7F-6988-44CC-821B-644E70CD2F73}" type="datetimeFigureOut">
               <a:rPr lang="en-US" dirty="0"/>
-              <a:t>12/26/2020</a:t>
+              <a:t>1/7/2021</a:t>
             </a:fld>
             <a:endParaRPr lang="en-US" dirty="0"/>
           </a:p>
@@ -5119,7 +5121,7 @@
           <a:p>
             <a:fld id="{5C12C299-16B2-4475-990D-751901EACC14}" type="datetimeFigureOut">
               <a:rPr lang="en-US" dirty="0"/>
-              <a:t>12/26/2020</a:t>
+              <a:t>1/7/2021</a:t>
             </a:fld>
             <a:endParaRPr lang="en-US" dirty="0"/>
           </a:p>
@@ -5775,7 +5777,7 @@
           <a:p>
             <a:fld id="{9FE86839-B9D8-4651-8783-F325ECE74E65}" type="datetimeFigureOut">
               <a:rPr lang="en-US" dirty="0"/>
-              <a:t>12/26/2020</a:t>
+              <a:t>1/7/2021</a:t>
             </a:fld>
             <a:endParaRPr lang="en-US" dirty="0"/>
           </a:p>
@@ -6632,7 +6634,7 @@
           <a:p>
             <a:fld id="{FD484F64-32F6-45C5-931F-ADC1662401D0}" type="datetimeFigureOut">
               <a:rPr lang="en-US" dirty="0"/>
-              <a:t>12/26/2020</a:t>
+              <a:t>1/7/2021</a:t>
             </a:fld>
             <a:endParaRPr lang="en-US" dirty="0"/>
           </a:p>
@@ -6818,7 +6820,7 @@
           <a:p>
             <a:fld id="{53086D93-FCAC-47E0-A2EE-787E62CA814C}" type="datetimeFigureOut">
               <a:rPr lang="en-US" dirty="0"/>
-              <a:t>12/26/2020</a:t>
+              <a:t>1/7/2021</a:t>
             </a:fld>
             <a:endParaRPr lang="en-US" dirty="0"/>
           </a:p>
@@ -7786,7 +7788,7 @@
           <a:p>
             <a:fld id="{CDA879A6-0FD0-4734-A311-86BFCA472E6E}" type="datetimeFigureOut">
               <a:rPr lang="en-US" dirty="0"/>
-              <a:t>12/26/2020</a:t>
+              <a:t>1/7/2021</a:t>
             </a:fld>
             <a:endParaRPr lang="en-US" dirty="0"/>
           </a:p>
@@ -7993,7 +7995,7 @@
           <a:p>
             <a:fld id="{19C9CA7B-DFD4-44B5-8C60-D14B8CD1FB59}" type="datetimeFigureOut">
               <a:rPr lang="en-US" dirty="0"/>
-              <a:t>12/26/2020</a:t>
+              <a:t>1/7/2021</a:t>
             </a:fld>
             <a:endParaRPr lang="en-US" dirty="0"/>
           </a:p>
@@ -9023,7 +9025,7 @@
           <a:p>
             <a:fld id="{F34E6425-0181-43F2-84FC-787E803FD2F8}" type="datetimeFigureOut">
               <a:rPr lang="en-US" dirty="0"/>
-              <a:t>12/26/2020</a:t>
+              <a:t>1/7/2021</a:t>
             </a:fld>
             <a:endParaRPr lang="en-US" dirty="0"/>
           </a:p>
@@ -9291,7 +9293,7 @@
           <a:p>
             <a:fld id="{3BDB8791-F1B0-41E7-B7FD-A781E65C4266}" type="datetimeFigureOut">
               <a:rPr lang="en-US" dirty="0"/>
-              <a:t>12/26/2020</a:t>
+              <a:t>1/7/2021</a:t>
             </a:fld>
             <a:endParaRPr lang="en-US" dirty="0"/>
           </a:p>
@@ -9697,7 +9699,7 @@
           <a:p>
             <a:fld id="{5FDD63B2-E120-4ED8-B27B-C685F510A5FE}" type="datetimeFigureOut">
               <a:rPr lang="en-US" dirty="0"/>
-              <a:t>12/26/2020</a:t>
+              <a:t>1/7/2021</a:t>
             </a:fld>
             <a:endParaRPr lang="en-US" dirty="0"/>
           </a:p>
@@ -9820,7 +9822,7 @@
           <a:p>
             <a:fld id="{7AA18ACC-A947-437B-A130-35BD54FDF1E9}" type="datetimeFigureOut">
               <a:rPr lang="en-US" dirty="0"/>
-              <a:t>12/26/2020</a:t>
+              <a:t>1/7/2021</a:t>
             </a:fld>
             <a:endParaRPr lang="en-US" dirty="0"/>
           </a:p>
@@ -9911,7 +9913,7 @@
           <a:p>
             <a:fld id="{7C8D7E02-BCB8-4D50-A234-369438C08659}" type="datetimeFigureOut">
               <a:rPr lang="en-US" dirty="0"/>
-              <a:t>12/26/2020</a:t>
+              <a:t>1/7/2021</a:t>
             </a:fld>
             <a:endParaRPr lang="en-US" dirty="0"/>
           </a:p>
@@ -10988,7 +10990,7 @@
           <a:p>
             <a:fld id="{76E86A4C-8E40-4F87-A4F0-01A0687C5742}" type="datetimeFigureOut">
               <a:rPr lang="en-US" dirty="0"/>
-              <a:t>12/26/2020</a:t>
+              <a:t>1/7/2021</a:t>
             </a:fld>
             <a:endParaRPr lang="en-US" dirty="0"/>
           </a:p>
@@ -12092,7 +12094,7 @@
           <a:p>
             <a:fld id="{35E72C73-2D91-4E12-BA25-F0AA0C03599B}" type="datetimeFigureOut">
               <a:rPr lang="en-US" dirty="0"/>
-              <a:t>12/26/2020</a:t>
+              <a:t>1/7/2021</a:t>
             </a:fld>
             <a:endParaRPr lang="en-US" dirty="0"/>
           </a:p>
@@ -13085,7 +13087,7 @@
           <a:p>
             <a:fld id="{2BE451C3-0FF4-47C4-B829-773ADF60F88C}" type="datetimeFigureOut">
               <a:rPr lang="en-US" dirty="0"/>
-              <a:t>12/26/2020</a:t>
+              <a:t>1/7/2021</a:t>
             </a:fld>
             <a:endParaRPr lang="en-US" dirty="0"/>
           </a:p>
@@ -13755,6 +13757,436 @@
           <p:cNvPr id="2" name="Title 1">
             <a:extLst>
               <a:ext uri="{FF2B5EF4-FFF2-40B4-BE49-F238E27FC236}">
+                <a16:creationId xmlns:a16="http://schemas.microsoft.com/office/drawing/2014/main" id="{9DE31918-257A-44E8-AF2F-44F37F53F719}"/>
+              </a:ext>
+            </a:extLst>
+          </p:cNvPr>
+          <p:cNvSpPr>
+            <a:spLocks noGrp="1"/>
+          </p:cNvSpPr>
+          <p:nvPr>
+            <p:ph type="title"/>
+          </p:nvPr>
+        </p:nvSpPr>
+        <p:spPr/>
+        <p:txBody>
+          <a:bodyPr/>
+          <a:lstStyle/>
+          <a:p>
+            <a:r>
+              <a:rPr lang="en-US" dirty="0"/>
+              <a:t>Digital Trigger</a:t>
+            </a:r>
+          </a:p>
+        </p:txBody>
+      </p:sp>
+      <p:sp>
+        <p:nvSpPr>
+          <p:cNvPr id="3" name="Content Placeholder 2">
+            <a:extLst>
+              <a:ext uri="{FF2B5EF4-FFF2-40B4-BE49-F238E27FC236}">
+                <a16:creationId xmlns:a16="http://schemas.microsoft.com/office/drawing/2014/main" id="{8EAA5176-EAB4-4197-BD4C-37A1DDAE28CF}"/>
+              </a:ext>
+            </a:extLst>
+          </p:cNvPr>
+          <p:cNvSpPr>
+            <a:spLocks noGrp="1"/>
+          </p:cNvSpPr>
+          <p:nvPr>
+            <p:ph idx="1"/>
+          </p:nvPr>
+        </p:nvSpPr>
+        <p:spPr>
+          <a:xfrm>
+            <a:off x="528505" y="2256639"/>
+            <a:ext cx="11115413" cy="4521665"/>
+          </a:xfrm>
+        </p:spPr>
+        <p:txBody>
+          <a:bodyPr>
+            <a:normAutofit/>
+          </a:bodyPr>
+          <a:lstStyle/>
+          <a:p>
+            <a:r>
+              <a:rPr lang="en-US" dirty="0"/>
+              <a:t>In autonomous or auto-assist code, it is sometimes desirable to act on the change in the hardware state of a digital sensor such as a limit switch. This can be achieved by using the </a:t>
+            </a:r>
+            <a:r>
+              <a:rPr lang="en-US" dirty="0" err="1"/>
+              <a:t>TrcDigitalInputTrigger</a:t>
+            </a:r>
+            <a:r>
+              <a:rPr lang="en-US" dirty="0"/>
+              <a:t> class.</a:t>
+            </a:r>
+          </a:p>
+          <a:p>
+            <a:r>
+              <a:rPr lang="en-US" dirty="0" err="1"/>
+              <a:t>TrcDigitalInputTrigger</a:t>
+            </a:r>
+            <a:r>
+              <a:rPr lang="en-US" dirty="0"/>
+              <a:t> Constructor: instance name, digital input sensor, event handler, trigger mode.</a:t>
+            </a:r>
+          </a:p>
+          <a:p>
+            <a:r>
+              <a:rPr lang="en-US" dirty="0"/>
+              <a:t>Three trigger modes: trigger on active, trigger on inactive and trigger on both.</a:t>
+            </a:r>
+          </a:p>
+          <a:p>
+            <a:r>
+              <a:rPr lang="en-US" dirty="0"/>
+              <a:t>Trigger event handler: void </a:t>
+            </a:r>
+            <a:r>
+              <a:rPr lang="en-US" dirty="0" err="1"/>
+              <a:t>triggerEvent</a:t>
+            </a:r>
+            <a:r>
+              <a:rPr lang="en-US" dirty="0"/>
+              <a:t>(</a:t>
+            </a:r>
+            <a:r>
+              <a:rPr lang="en-US" dirty="0" err="1"/>
+              <a:t>boolean</a:t>
+            </a:r>
+            <a:r>
+              <a:rPr lang="en-US" dirty="0"/>
+              <a:t> active);</a:t>
+            </a:r>
+          </a:p>
+          <a:p>
+            <a:r>
+              <a:rPr lang="en-US" dirty="0"/>
+              <a:t>Methods:</a:t>
+            </a:r>
+          </a:p>
+          <a:p>
+            <a:pPr lvl="1"/>
+            <a:r>
+              <a:rPr lang="en-US" dirty="0" err="1"/>
+              <a:t>setEnabled</a:t>
+            </a:r>
+            <a:r>
+              <a:rPr lang="en-US" dirty="0"/>
+              <a:t> – enable or disable the monitoring of the digital input sensor state.</a:t>
+            </a:r>
+          </a:p>
+          <a:p>
+            <a:pPr lvl="1"/>
+            <a:r>
+              <a:rPr lang="en-US" dirty="0" err="1"/>
+              <a:t>isTriggered</a:t>
+            </a:r>
+            <a:r>
+              <a:rPr lang="en-US" dirty="0"/>
+              <a:t> – check if a trigger condition has happened.</a:t>
+            </a:r>
+          </a:p>
+        </p:txBody>
+      </p:sp>
+    </p:spTree>
+    <p:extLst>
+      <p:ext uri="{BB962C8B-B14F-4D97-AF65-F5344CB8AC3E}">
+        <p14:creationId xmlns:p14="http://schemas.microsoft.com/office/powerpoint/2010/main" val="3677648907"/>
+      </p:ext>
+    </p:extLst>
+  </p:cSld>
+  <p:clrMapOvr>
+    <a:masterClrMapping/>
+  </p:clrMapOvr>
+</p:sld>
+</file>
+
+<file path=ppt/slides/slide11.xml><?xml version="1.0" encoding="utf-8"?>
+<p:sld xmlns:a="http://schemas.openxmlformats.org/drawingml/2006/main" xmlns:r="http://schemas.openxmlformats.org/officeDocument/2006/relationships" xmlns:p="http://schemas.openxmlformats.org/presentationml/2006/main">
+  <p:cSld>
+    <p:spTree>
+      <p:nvGrpSpPr>
+        <p:cNvPr id="1" name=""/>
+        <p:cNvGrpSpPr/>
+        <p:nvPr/>
+      </p:nvGrpSpPr>
+      <p:grpSpPr>
+        <a:xfrm>
+          <a:off x="0" y="0"/>
+          <a:ext cx="0" cy="0"/>
+          <a:chOff x="0" y="0"/>
+          <a:chExt cx="0" cy="0"/>
+        </a:xfrm>
+      </p:grpSpPr>
+      <p:sp>
+        <p:nvSpPr>
+          <p:cNvPr id="2" name="Title 1">
+            <a:extLst>
+              <a:ext uri="{FF2B5EF4-FFF2-40B4-BE49-F238E27FC236}">
+                <a16:creationId xmlns:a16="http://schemas.microsoft.com/office/drawing/2014/main" id="{6A7DB167-8373-41C6-938B-D6DD5E3B0B4A}"/>
+              </a:ext>
+            </a:extLst>
+          </p:cNvPr>
+          <p:cNvSpPr>
+            <a:spLocks noGrp="1"/>
+          </p:cNvSpPr>
+          <p:nvPr>
+            <p:ph type="title"/>
+          </p:nvPr>
+        </p:nvSpPr>
+        <p:spPr/>
+        <p:txBody>
+          <a:bodyPr/>
+          <a:lstStyle/>
+          <a:p>
+            <a:r>
+              <a:rPr lang="en-US" dirty="0"/>
+              <a:t>Analog Trigger</a:t>
+            </a:r>
+          </a:p>
+        </p:txBody>
+      </p:sp>
+      <p:sp>
+        <p:nvSpPr>
+          <p:cNvPr id="3" name="Content Placeholder 2">
+            <a:extLst>
+              <a:ext uri="{FF2B5EF4-FFF2-40B4-BE49-F238E27FC236}">
+                <a16:creationId xmlns:a16="http://schemas.microsoft.com/office/drawing/2014/main" id="{BCF7EF20-A98F-4C60-940D-923B348888AE}"/>
+              </a:ext>
+            </a:extLst>
+          </p:cNvPr>
+          <p:cNvSpPr>
+            <a:spLocks noGrp="1"/>
+          </p:cNvSpPr>
+          <p:nvPr>
+            <p:ph idx="1"/>
+          </p:nvPr>
+        </p:nvSpPr>
+        <p:spPr>
+          <a:xfrm>
+            <a:off x="562062" y="2273417"/>
+            <a:ext cx="11090246" cy="4521666"/>
+          </a:xfrm>
+        </p:spPr>
+        <p:txBody>
+          <a:bodyPr>
+            <a:normAutofit fontScale="85000" lnSpcReduction="20000"/>
+          </a:bodyPr>
+          <a:lstStyle/>
+          <a:p>
+            <a:r>
+              <a:rPr lang="en-US" dirty="0"/>
+              <a:t>In autonomous or auto-assist code, it is sometimes desirable to monitor an analog sensor for a value that crosses some thresholds such as distance sensor or even motor current sensor. This can be achieved by using the </a:t>
+            </a:r>
+            <a:r>
+              <a:rPr lang="en-US" dirty="0" err="1"/>
+              <a:t>TrcAnalogSensorTrigger</a:t>
+            </a:r>
+            <a:r>
+              <a:rPr lang="en-US" dirty="0"/>
+              <a:t> class.</a:t>
+            </a:r>
+          </a:p>
+          <a:p>
+            <a:r>
+              <a:rPr lang="en-US" dirty="0" err="1"/>
+              <a:t>TrcAnalogSensorTrigger</a:t>
+            </a:r>
+            <a:r>
+              <a:rPr lang="en-US" dirty="0"/>
+              <a:t> Constructor: instance name, analog sensor, sensor axis and data type, an array of thresholds or trigger points, event handler, trigger array type.</a:t>
+            </a:r>
+          </a:p>
+          <a:p>
+            <a:r>
+              <a:rPr lang="en-US" dirty="0"/>
+              <a:t>Trigger event handler: void </a:t>
+            </a:r>
+            <a:r>
+              <a:rPr lang="en-US" dirty="0" err="1"/>
+              <a:t>triggerEvent</a:t>
+            </a:r>
+            <a:r>
+              <a:rPr lang="en-US" dirty="0"/>
+              <a:t>(int </a:t>
+            </a:r>
+            <a:r>
+              <a:rPr lang="en-US" dirty="0" err="1"/>
+              <a:t>currZone</a:t>
+            </a:r>
+            <a:r>
+              <a:rPr lang="en-US" dirty="0"/>
+              <a:t>, int </a:t>
+            </a:r>
+            <a:r>
+              <a:rPr lang="en-US" dirty="0" err="1"/>
+              <a:t>prevZone</a:t>
+            </a:r>
+            <a:r>
+              <a:rPr lang="en-US" dirty="0"/>
+              <a:t>, double </a:t>
+            </a:r>
+            <a:r>
+              <a:rPr lang="en-US" dirty="0" err="1"/>
+              <a:t>zoneValue</a:t>
+            </a:r>
+            <a:r>
+              <a:rPr lang="en-US" dirty="0"/>
+              <a:t>);</a:t>
+            </a:r>
+          </a:p>
+          <a:p>
+            <a:endParaRPr lang="en-US" dirty="0"/>
+          </a:p>
+          <a:p>
+            <a:endParaRPr lang="en-US" dirty="0"/>
+          </a:p>
+          <a:p>
+            <a:pPr marL="0" indent="0">
+              <a:buNone/>
+            </a:pPr>
+            <a:endParaRPr lang="en-US" dirty="0"/>
+          </a:p>
+          <a:p>
+            <a:r>
+              <a:rPr lang="en-US" dirty="0"/>
+              <a:t>Methods:</a:t>
+            </a:r>
+          </a:p>
+          <a:p>
+            <a:pPr lvl="1"/>
+            <a:r>
+              <a:rPr lang="en-US" dirty="0" err="1"/>
+              <a:t>setTriggerPoints</a:t>
+            </a:r>
+            <a:r>
+              <a:rPr lang="en-US" dirty="0"/>
+              <a:t> – set a new trigger point array.</a:t>
+            </a:r>
+          </a:p>
+          <a:p>
+            <a:pPr lvl="1"/>
+            <a:r>
+              <a:rPr lang="en-US" dirty="0" err="1"/>
+              <a:t>setThresholds</a:t>
+            </a:r>
+            <a:r>
+              <a:rPr lang="en-US" dirty="0"/>
+              <a:t> – set a new threshold array.</a:t>
+            </a:r>
+          </a:p>
+          <a:p>
+            <a:pPr lvl="1"/>
+            <a:r>
+              <a:rPr lang="en-US" dirty="0" err="1"/>
+              <a:t>setEnabled</a:t>
+            </a:r>
+            <a:r>
+              <a:rPr lang="en-US" dirty="0"/>
+              <a:t> - enable or disable the monitoring of the analog sensor value.</a:t>
+            </a:r>
+          </a:p>
+          <a:p>
+            <a:pPr lvl="1"/>
+            <a:r>
+              <a:rPr lang="en-US" dirty="0" err="1"/>
+              <a:t>isEnabled</a:t>
+            </a:r>
+            <a:r>
+              <a:rPr lang="en-US" dirty="0"/>
+              <a:t> – check if the analog trigger monitoring is enabled.</a:t>
+            </a:r>
+          </a:p>
+          <a:p>
+            <a:pPr lvl="1"/>
+            <a:r>
+              <a:rPr lang="en-US" dirty="0" err="1"/>
+              <a:t>getZone</a:t>
+            </a:r>
+            <a:r>
+              <a:rPr lang="en-US" dirty="0"/>
+              <a:t> – get the analog zone we were last in.</a:t>
+            </a:r>
+          </a:p>
+          <a:p>
+            <a:pPr lvl="1"/>
+            <a:r>
+              <a:rPr lang="en-US" dirty="0" err="1"/>
+              <a:t>getValue</a:t>
+            </a:r>
+            <a:r>
+              <a:rPr lang="en-US" dirty="0"/>
+              <a:t> – get the analog sensor value we have last seen.</a:t>
+            </a:r>
+          </a:p>
+        </p:txBody>
+      </p:sp>
+      <p:pic>
+        <p:nvPicPr>
+          <p:cNvPr id="7" name="Picture 6">
+            <a:extLst>
+              <a:ext uri="{FF2B5EF4-FFF2-40B4-BE49-F238E27FC236}">
+                <a16:creationId xmlns:a16="http://schemas.microsoft.com/office/drawing/2014/main" id="{8DB05A71-BC00-4387-9DFD-B4C1819BE05A}"/>
+              </a:ext>
+            </a:extLst>
+          </p:cNvPr>
+          <p:cNvPicPr>
+            <a:picLocks noChangeAspect="1"/>
+          </p:cNvPicPr>
+          <p:nvPr/>
+        </p:nvPicPr>
+        <p:blipFill>
+          <a:blip r:embed="rId2"/>
+          <a:stretch>
+            <a:fillRect/>
+          </a:stretch>
+        </p:blipFill>
+        <p:spPr>
+          <a:xfrm>
+            <a:off x="931790" y="3714094"/>
+            <a:ext cx="7258050" cy="1057275"/>
+          </a:xfrm>
+          <a:prstGeom prst="rect">
+            <a:avLst/>
+          </a:prstGeom>
+        </p:spPr>
+      </p:pic>
+    </p:spTree>
+    <p:extLst>
+      <p:ext uri="{BB962C8B-B14F-4D97-AF65-F5344CB8AC3E}">
+        <p14:creationId xmlns:p14="http://schemas.microsoft.com/office/powerpoint/2010/main" val="945678628"/>
+      </p:ext>
+    </p:extLst>
+  </p:cSld>
+  <p:clrMapOvr>
+    <a:masterClrMapping/>
+  </p:clrMapOvr>
+</p:sld>
+</file>
+
+<file path=ppt/slides/slide12.xml><?xml version="1.0" encoding="utf-8"?>
+<p:sld xmlns:a="http://schemas.openxmlformats.org/drawingml/2006/main" xmlns:r="http://schemas.openxmlformats.org/officeDocument/2006/relationships" xmlns:p="http://schemas.openxmlformats.org/presentationml/2006/main">
+  <p:cSld>
+    <p:spTree>
+      <p:nvGrpSpPr>
+        <p:cNvPr id="1" name=""/>
+        <p:cNvGrpSpPr/>
+        <p:nvPr/>
+      </p:nvGrpSpPr>
+      <p:grpSpPr>
+        <a:xfrm>
+          <a:off x="0" y="0"/>
+          <a:ext cx="0" cy="0"/>
+          <a:chOff x="0" y="0"/>
+          <a:chExt cx="0" cy="0"/>
+        </a:xfrm>
+      </p:grpSpPr>
+      <p:sp>
+        <p:nvSpPr>
+          <p:cNvPr id="2" name="Title 1">
+            <a:extLst>
+              <a:ext uri="{FF2B5EF4-FFF2-40B4-BE49-F238E27FC236}">
                 <a16:creationId xmlns:a16="http://schemas.microsoft.com/office/drawing/2014/main" id="{FE6BB423-22FA-4B83-92AE-ACF8CE19060C}"/>
               </a:ext>
             </a:extLst>
@@ -13856,7 +14288,7 @@
 </p:sld>
 </file>
 
-<file path=ppt/slides/slide11.xml><?xml version="1.0" encoding="utf-8"?>
+<file path=ppt/slides/slide13.xml><?xml version="1.0" encoding="utf-8"?>
 <p:sld xmlns:a="http://schemas.openxmlformats.org/drawingml/2006/main" xmlns:r="http://schemas.openxmlformats.org/officeDocument/2006/relationships" xmlns:p="http://schemas.openxmlformats.org/presentationml/2006/main">
   <p:cSld>
     <p:spTree>
@@ -14036,7 +14468,7 @@
 </p:sld>
 </file>
 
-<file path=ppt/slides/slide12.xml><?xml version="1.0" encoding="utf-8"?>
+<file path=ppt/slides/slide14.xml><?xml version="1.0" encoding="utf-8"?>
 <p:sld xmlns:a="http://schemas.openxmlformats.org/drawingml/2006/main" xmlns:r="http://schemas.openxmlformats.org/officeDocument/2006/relationships" xmlns:p="http://schemas.openxmlformats.org/presentationml/2006/main">
   <p:cSld>
     <p:spTree>
@@ -14217,7 +14649,7 @@
 </p:sld>
 </file>
 
-<file path=ppt/slides/slide13.xml><?xml version="1.0" encoding="utf-8"?>
+<file path=ppt/slides/slide15.xml><?xml version="1.0" encoding="utf-8"?>
 <p:sld xmlns:a="http://schemas.openxmlformats.org/drawingml/2006/main" xmlns:r="http://schemas.openxmlformats.org/officeDocument/2006/relationships" xmlns:p="http://schemas.openxmlformats.org/presentationml/2006/main">
   <p:cSld>
     <p:spTree>
@@ -14411,7 +14843,7 @@
 </p:sld>
 </file>
 
-<file path=ppt/slides/slide14.xml><?xml version="1.0" encoding="utf-8"?>
+<file path=ppt/slides/slide16.xml><?xml version="1.0" encoding="utf-8"?>
 <p:sld xmlns:a="http://schemas.openxmlformats.org/drawingml/2006/main" xmlns:r="http://schemas.openxmlformats.org/officeDocument/2006/relationships" xmlns:p="http://schemas.openxmlformats.org/presentationml/2006/main">
   <p:cSld>
     <p:spTree>
@@ -14474,8 +14906,8 @@
         </p:nvSpPr>
         <p:spPr>
           <a:xfrm>
-            <a:off x="528506" y="2424418"/>
-            <a:ext cx="11081857" cy="4211273"/>
+            <a:off x="528506" y="2290194"/>
+            <a:ext cx="11081857" cy="4345497"/>
           </a:xfrm>
         </p:spPr>
         <p:txBody>
@@ -14718,7 +15150,7 @@
 </p:sld>
 </file>
 
-<file path=ppt/slides/slide15.xml><?xml version="1.0" encoding="utf-8"?>
+<file path=ppt/slides/slide17.xml><?xml version="1.0" encoding="utf-8"?>
 <p:sld xmlns:a="http://schemas.openxmlformats.org/drawingml/2006/main" xmlns:r="http://schemas.openxmlformats.org/officeDocument/2006/relationships" xmlns:p="http://schemas.openxmlformats.org/presentationml/2006/main">
   <p:cSld>
     <p:spTree>
@@ -14821,7 +15253,7 @@
 </p:sld>
 </file>
 
-<file path=ppt/slides/slide16.xml><?xml version="1.0" encoding="utf-8"?>
+<file path=ppt/slides/slide18.xml><?xml version="1.0" encoding="utf-8"?>
 <p:sld xmlns:a="http://schemas.openxmlformats.org/drawingml/2006/main" xmlns:r="http://schemas.openxmlformats.org/officeDocument/2006/relationships" xmlns:p="http://schemas.openxmlformats.org/presentationml/2006/main">
   <p:cSld>
     <p:spTree>
@@ -14926,7 +15358,7 @@
             </a:r>
             <a:r>
               <a:rPr lang="en-US" dirty="0" err="1"/>
-              <a:t>taskMgr</a:t>
+              <a:t>TaskMgr</a:t>
             </a:r>
             <a:r>
               <a:rPr lang="en-US" dirty="0"/>
@@ -14993,7 +15425,7 @@
 </p:sld>
 </file>
 
-<file path=ppt/slides/slide17.xml><?xml version="1.0" encoding="utf-8"?>
+<file path=ppt/slides/slide19.xml><?xml version="1.0" encoding="utf-8"?>
 <p:sld xmlns:a="http://schemas.openxmlformats.org/drawingml/2006/main" xmlns:r="http://schemas.openxmlformats.org/officeDocument/2006/relationships" xmlns:p="http://schemas.openxmlformats.org/presentationml/2006/main">
   <p:cSld>
     <p:spTree>

--- a/Lesson7/AdvancedRoboticsLesson7.pptx
+++ b/Lesson7/AdvancedRoboticsLesson7.pptx
@@ -5,7 +5,7 @@
     <p:sldMasterId id="2147483648" r:id="rId1"/>
   </p:sldMasterIdLst>
   <p:notesMasterIdLst>
-    <p:notesMasterId r:id="rId21"/>
+    <p:notesMasterId r:id="rId22"/>
   </p:notesMasterIdLst>
   <p:sldIdLst>
     <p:sldId id="266" r:id="rId2"/>
@@ -21,12 +21,13 @@
     <p:sldId id="292" r:id="rId12"/>
     <p:sldId id="284" r:id="rId13"/>
     <p:sldId id="283" r:id="rId14"/>
-    <p:sldId id="285" r:id="rId15"/>
-    <p:sldId id="286" r:id="rId16"/>
-    <p:sldId id="287" r:id="rId17"/>
-    <p:sldId id="288" r:id="rId18"/>
-    <p:sldId id="289" r:id="rId19"/>
-    <p:sldId id="290" r:id="rId20"/>
+    <p:sldId id="293" r:id="rId15"/>
+    <p:sldId id="285" r:id="rId16"/>
+    <p:sldId id="286" r:id="rId17"/>
+    <p:sldId id="287" r:id="rId18"/>
+    <p:sldId id="288" r:id="rId19"/>
+    <p:sldId id="289" r:id="rId20"/>
+    <p:sldId id="290" r:id="rId21"/>
   </p:sldIdLst>
   <p:sldSz cx="12192000" cy="6858000"/>
   <p:notesSz cx="6858000" cy="9144000"/>
@@ -215,7 +216,7 @@
           <a:p>
             <a:fld id="{88DFE0DC-517A-40C1-B3B1-8C641051689B}" type="datetimeFigureOut">
               <a:rPr lang="en-US" smtClean="0"/>
-              <a:t>1/7/2021</a:t>
+              <a:t>12/15/2021</a:t>
             </a:fld>
             <a:endParaRPr lang="en-US"/>
           </a:p>
@@ -902,7 +903,7 @@
             <a:fld id="{5923F103-BC34-4FE4-A40E-EDDEECFDA5D0}" type="datetimeFigureOut">
               <a:rPr lang="en-US" dirty="0"/>
               <a:pPr/>
-              <a:t>1/7/2021</a:t>
+              <a:t>12/15/2021</a:t>
             </a:fld>
             <a:endParaRPr lang="en-US" dirty="0"/>
           </a:p>
@@ -1986,7 +1987,7 @@
           <a:p>
             <a:fld id="{923A1CC3-2375-41D4-9E03-427CAF2A4C1A}" type="datetimeFigureOut">
               <a:rPr lang="en-US" dirty="0"/>
-              <a:t>1/7/2021</a:t>
+              <a:t>12/15/2021</a:t>
             </a:fld>
             <a:endParaRPr lang="en-US" dirty="0"/>
           </a:p>
@@ -2962,7 +2963,7 @@
           <a:p>
             <a:fld id="{AFF16868-8199-4C2C-A5B1-63AEE139F88E}" type="datetimeFigureOut">
               <a:rPr lang="en-US" dirty="0"/>
-              <a:t>1/7/2021</a:t>
+              <a:t>12/15/2021</a:t>
             </a:fld>
             <a:endParaRPr lang="en-US" dirty="0"/>
           </a:p>
@@ -4092,7 +4093,7 @@
           <a:p>
             <a:fld id="{AAD9FF7F-6988-44CC-821B-644E70CD2F73}" type="datetimeFigureOut">
               <a:rPr lang="en-US" dirty="0"/>
-              <a:t>1/7/2021</a:t>
+              <a:t>12/15/2021</a:t>
             </a:fld>
             <a:endParaRPr lang="en-US" dirty="0"/>
           </a:p>
@@ -5121,7 +5122,7 @@
           <a:p>
             <a:fld id="{5C12C299-16B2-4475-990D-751901EACC14}" type="datetimeFigureOut">
               <a:rPr lang="en-US" dirty="0"/>
-              <a:t>1/7/2021</a:t>
+              <a:t>12/15/2021</a:t>
             </a:fld>
             <a:endParaRPr lang="en-US" dirty="0"/>
           </a:p>
@@ -5777,7 +5778,7 @@
           <a:p>
             <a:fld id="{9FE86839-B9D8-4651-8783-F325ECE74E65}" type="datetimeFigureOut">
               <a:rPr lang="en-US" dirty="0"/>
-              <a:t>1/7/2021</a:t>
+              <a:t>12/15/2021</a:t>
             </a:fld>
             <a:endParaRPr lang="en-US" dirty="0"/>
           </a:p>
@@ -6634,7 +6635,7 @@
           <a:p>
             <a:fld id="{FD484F64-32F6-45C5-931F-ADC1662401D0}" type="datetimeFigureOut">
               <a:rPr lang="en-US" dirty="0"/>
-              <a:t>1/7/2021</a:t>
+              <a:t>12/15/2021</a:t>
             </a:fld>
             <a:endParaRPr lang="en-US" dirty="0"/>
           </a:p>
@@ -6820,7 +6821,7 @@
           <a:p>
             <a:fld id="{53086D93-FCAC-47E0-A2EE-787E62CA814C}" type="datetimeFigureOut">
               <a:rPr lang="en-US" dirty="0"/>
-              <a:t>1/7/2021</a:t>
+              <a:t>12/15/2021</a:t>
             </a:fld>
             <a:endParaRPr lang="en-US" dirty="0"/>
           </a:p>
@@ -7788,7 +7789,7 @@
           <a:p>
             <a:fld id="{CDA879A6-0FD0-4734-A311-86BFCA472E6E}" type="datetimeFigureOut">
               <a:rPr lang="en-US" dirty="0"/>
-              <a:t>1/7/2021</a:t>
+              <a:t>12/15/2021</a:t>
             </a:fld>
             <a:endParaRPr lang="en-US" dirty="0"/>
           </a:p>
@@ -7995,7 +7996,7 @@
           <a:p>
             <a:fld id="{19C9CA7B-DFD4-44B5-8C60-D14B8CD1FB59}" type="datetimeFigureOut">
               <a:rPr lang="en-US" dirty="0"/>
-              <a:t>1/7/2021</a:t>
+              <a:t>12/15/2021</a:t>
             </a:fld>
             <a:endParaRPr lang="en-US" dirty="0"/>
           </a:p>
@@ -9025,7 +9026,7 @@
           <a:p>
             <a:fld id="{F34E6425-0181-43F2-84FC-787E803FD2F8}" type="datetimeFigureOut">
               <a:rPr lang="en-US" dirty="0"/>
-              <a:t>1/7/2021</a:t>
+              <a:t>12/15/2021</a:t>
             </a:fld>
             <a:endParaRPr lang="en-US" dirty="0"/>
           </a:p>
@@ -9293,7 +9294,7 @@
           <a:p>
             <a:fld id="{3BDB8791-F1B0-41E7-B7FD-A781E65C4266}" type="datetimeFigureOut">
               <a:rPr lang="en-US" dirty="0"/>
-              <a:t>1/7/2021</a:t>
+              <a:t>12/15/2021</a:t>
             </a:fld>
             <a:endParaRPr lang="en-US" dirty="0"/>
           </a:p>
@@ -9699,7 +9700,7 @@
           <a:p>
             <a:fld id="{5FDD63B2-E120-4ED8-B27B-C685F510A5FE}" type="datetimeFigureOut">
               <a:rPr lang="en-US" dirty="0"/>
-              <a:t>1/7/2021</a:t>
+              <a:t>12/15/2021</a:t>
             </a:fld>
             <a:endParaRPr lang="en-US" dirty="0"/>
           </a:p>
@@ -9822,7 +9823,7 @@
           <a:p>
             <a:fld id="{7AA18ACC-A947-437B-A130-35BD54FDF1E9}" type="datetimeFigureOut">
               <a:rPr lang="en-US" dirty="0"/>
-              <a:t>1/7/2021</a:t>
+              <a:t>12/15/2021</a:t>
             </a:fld>
             <a:endParaRPr lang="en-US" dirty="0"/>
           </a:p>
@@ -9913,7 +9914,7 @@
           <a:p>
             <a:fld id="{7C8D7E02-BCB8-4D50-A234-369438C08659}" type="datetimeFigureOut">
               <a:rPr lang="en-US" dirty="0"/>
-              <a:t>1/7/2021</a:t>
+              <a:t>12/15/2021</a:t>
             </a:fld>
             <a:endParaRPr lang="en-US" dirty="0"/>
           </a:p>
@@ -10990,7 +10991,7 @@
           <a:p>
             <a:fld id="{76E86A4C-8E40-4F87-A4F0-01A0687C5742}" type="datetimeFigureOut">
               <a:rPr lang="en-US" dirty="0"/>
-              <a:t>1/7/2021</a:t>
+              <a:t>12/15/2021</a:t>
             </a:fld>
             <a:endParaRPr lang="en-US" dirty="0"/>
           </a:p>
@@ -12094,7 +12095,7 @@
           <a:p>
             <a:fld id="{35E72C73-2D91-4E12-BA25-F0AA0C03599B}" type="datetimeFigureOut">
               <a:rPr lang="en-US" dirty="0"/>
-              <a:t>1/7/2021</a:t>
+              <a:t>12/15/2021</a:t>
             </a:fld>
             <a:endParaRPr lang="en-US" dirty="0"/>
           </a:p>
@@ -13087,7 +13088,7 @@
           <a:p>
             <a:fld id="{2BE451C3-0FF4-47C4-B829-773ADF60F88C}" type="datetimeFigureOut">
               <a:rPr lang="en-US" dirty="0"/>
-              <a:t>1/7/2021</a:t>
+              <a:t>12/15/2021</a:t>
             </a:fld>
             <a:endParaRPr lang="en-US" dirty="0"/>
           </a:p>
@@ -14490,6 +14491,170 @@
           <p:cNvPr id="2" name="Title 1">
             <a:extLst>
               <a:ext uri="{FF2B5EF4-FFF2-40B4-BE49-F238E27FC236}">
+                <a16:creationId xmlns:a16="http://schemas.microsoft.com/office/drawing/2014/main" id="{5DBDB647-6AC3-45C1-A1D4-3B298AEE5877}"/>
+              </a:ext>
+            </a:extLst>
+          </p:cNvPr>
+          <p:cNvSpPr>
+            <a:spLocks noGrp="1"/>
+          </p:cNvSpPr>
+          <p:nvPr>
+            <p:ph type="title"/>
+          </p:nvPr>
+        </p:nvSpPr>
+        <p:spPr>
+          <a:xfrm>
+            <a:off x="922789" y="973668"/>
+            <a:ext cx="10133901" cy="706964"/>
+          </a:xfrm>
+        </p:spPr>
+        <p:txBody>
+          <a:bodyPr/>
+          <a:lstStyle/>
+          <a:p>
+            <a:r>
+              <a:rPr lang="en-US" dirty="0"/>
+              <a:t>Exercise: Create a timed drive autonomous</a:t>
+            </a:r>
+          </a:p>
+        </p:txBody>
+      </p:sp>
+      <p:sp>
+        <p:nvSpPr>
+          <p:cNvPr id="3" name="Content Placeholder 2">
+            <a:extLst>
+              <a:ext uri="{FF2B5EF4-FFF2-40B4-BE49-F238E27FC236}">
+                <a16:creationId xmlns:a16="http://schemas.microsoft.com/office/drawing/2014/main" id="{FCEC0B1B-EF9F-41D7-A2C0-35A72C57C987}"/>
+              </a:ext>
+            </a:extLst>
+          </p:cNvPr>
+          <p:cNvSpPr>
+            <a:spLocks noGrp="1"/>
+          </p:cNvSpPr>
+          <p:nvPr>
+            <p:ph idx="1"/>
+          </p:nvPr>
+        </p:nvSpPr>
+        <p:spPr>
+          <a:xfrm>
+            <a:off x="1154954" y="2281806"/>
+            <a:ext cx="9834624" cy="4576194"/>
+          </a:xfrm>
+        </p:spPr>
+        <p:txBody>
+          <a:bodyPr>
+            <a:normAutofit/>
+          </a:bodyPr>
+          <a:lstStyle/>
+          <a:p>
+            <a:r>
+              <a:rPr lang="en-US" dirty="0"/>
+              <a:t>Create an autonomous strategy choice menu that contains a choice to do timed drive.</a:t>
+            </a:r>
+          </a:p>
+          <a:p>
+            <a:r>
+              <a:rPr lang="en-US" dirty="0"/>
+              <a:t>Create menus (hint: </a:t>
+            </a:r>
+            <a:r>
+              <a:rPr lang="en-US" dirty="0" err="1"/>
+              <a:t>dashboard.putNumber</a:t>
+            </a:r>
+            <a:r>
+              <a:rPr lang="en-US" dirty="0"/>
+              <a:t> and </a:t>
+            </a:r>
+            <a:r>
+              <a:rPr lang="en-US" dirty="0" err="1"/>
+              <a:t>dashboard.getNumber</a:t>
+            </a:r>
+            <a:r>
+              <a:rPr lang="en-US" dirty="0"/>
+              <a:t>) that allow the user to enter a delay time, drive time, X drive power, Y driver power and turn power.</a:t>
+            </a:r>
+          </a:p>
+          <a:p>
+            <a:r>
+              <a:rPr lang="en-US" dirty="0"/>
+              <a:t>In </a:t>
+            </a:r>
+            <a:r>
+              <a:rPr lang="en-US" dirty="0" err="1"/>
+              <a:t>startMode</a:t>
+            </a:r>
+            <a:r>
+              <a:rPr lang="en-US" dirty="0"/>
+              <a:t>, read all the choices from the menus and create a </a:t>
+            </a:r>
+            <a:r>
+              <a:rPr lang="en-US" dirty="0" err="1"/>
+              <a:t>CmdTimedDrive</a:t>
+            </a:r>
+            <a:r>
+              <a:rPr lang="en-US" dirty="0"/>
+              <a:t> module passing all the choices to it.</a:t>
+            </a:r>
+          </a:p>
+          <a:p>
+            <a:r>
+              <a:rPr lang="en-US" dirty="0"/>
+              <a:t>In </a:t>
+            </a:r>
+            <a:r>
+              <a:rPr lang="en-US" dirty="0" err="1"/>
+              <a:t>FrcAuto.runContinuous</a:t>
+            </a:r>
+            <a:r>
+              <a:rPr lang="en-US" dirty="0"/>
+              <a:t>, add code to call the </a:t>
+            </a:r>
+            <a:r>
+              <a:rPr lang="en-US" dirty="0" err="1"/>
+              <a:t>cmdTimedDrive.cmdPeriodic</a:t>
+            </a:r>
+            <a:r>
+              <a:rPr lang="en-US" dirty="0"/>
+              <a:t>, keep calling it while it is returning false.</a:t>
+            </a:r>
+          </a:p>
+        </p:txBody>
+      </p:sp>
+    </p:spTree>
+    <p:extLst>
+      <p:ext uri="{BB962C8B-B14F-4D97-AF65-F5344CB8AC3E}">
+        <p14:creationId xmlns:p14="http://schemas.microsoft.com/office/powerpoint/2010/main" val="1062411895"/>
+      </p:ext>
+    </p:extLst>
+  </p:cSld>
+  <p:clrMapOvr>
+    <a:masterClrMapping/>
+  </p:clrMapOvr>
+</p:sld>
+</file>
+
+<file path=ppt/slides/slide15.xml><?xml version="1.0" encoding="utf-8"?>
+<p:sld xmlns:a="http://schemas.openxmlformats.org/drawingml/2006/main" xmlns:r="http://schemas.openxmlformats.org/officeDocument/2006/relationships" xmlns:p="http://schemas.openxmlformats.org/presentationml/2006/main">
+  <p:cSld>
+    <p:spTree>
+      <p:nvGrpSpPr>
+        <p:cNvPr id="1" name=""/>
+        <p:cNvGrpSpPr/>
+        <p:nvPr/>
+      </p:nvGrpSpPr>
+      <p:grpSpPr>
+        <a:xfrm>
+          <a:off x="0" y="0"/>
+          <a:ext cx="0" cy="0"/>
+          <a:chOff x="0" y="0"/>
+          <a:chExt cx="0" cy="0"/>
+        </a:xfrm>
+      </p:grpSpPr>
+      <p:sp>
+        <p:nvSpPr>
+          <p:cNvPr id="2" name="Title 1">
+            <a:extLst>
+              <a:ext uri="{FF2B5EF4-FFF2-40B4-BE49-F238E27FC236}">
                 <a16:creationId xmlns:a16="http://schemas.microsoft.com/office/drawing/2014/main" id="{05080758-BFAB-403E-9CAD-DF4335837C24}"/>
               </a:ext>
             </a:extLst>
@@ -14649,7 +14814,7 @@
 </p:sld>
 </file>
 
-<file path=ppt/slides/slide15.xml><?xml version="1.0" encoding="utf-8"?>
+<file path=ppt/slides/slide16.xml><?xml version="1.0" encoding="utf-8"?>
 <p:sld xmlns:a="http://schemas.openxmlformats.org/drawingml/2006/main" xmlns:r="http://schemas.openxmlformats.org/officeDocument/2006/relationships" xmlns:p="http://schemas.openxmlformats.org/presentationml/2006/main">
   <p:cSld>
     <p:spTree>
@@ -14843,7 +15008,7 @@
 </p:sld>
 </file>
 
-<file path=ppt/slides/slide16.xml><?xml version="1.0" encoding="utf-8"?>
+<file path=ppt/slides/slide17.xml><?xml version="1.0" encoding="utf-8"?>
 <p:sld xmlns:a="http://schemas.openxmlformats.org/drawingml/2006/main" xmlns:r="http://schemas.openxmlformats.org/officeDocument/2006/relationships" xmlns:p="http://schemas.openxmlformats.org/presentationml/2006/main">
   <p:cSld>
     <p:spTree>
@@ -15150,7 +15315,7 @@
 </p:sld>
 </file>
 
-<file path=ppt/slides/slide17.xml><?xml version="1.0" encoding="utf-8"?>
+<file path=ppt/slides/slide18.xml><?xml version="1.0" encoding="utf-8"?>
 <p:sld xmlns:a="http://schemas.openxmlformats.org/drawingml/2006/main" xmlns:r="http://schemas.openxmlformats.org/officeDocument/2006/relationships" xmlns:p="http://schemas.openxmlformats.org/presentationml/2006/main">
   <p:cSld>
     <p:spTree>
@@ -15253,7 +15418,7 @@
 </p:sld>
 </file>
 
-<file path=ppt/slides/slide18.xml><?xml version="1.0" encoding="utf-8"?>
+<file path=ppt/slides/slide19.xml><?xml version="1.0" encoding="utf-8"?>
 <p:sld xmlns:a="http://schemas.openxmlformats.org/drawingml/2006/main" xmlns:r="http://schemas.openxmlformats.org/officeDocument/2006/relationships" xmlns:p="http://schemas.openxmlformats.org/presentationml/2006/main">
   <p:cSld>
     <p:spTree>
@@ -15416,145 +15581,6 @@
     <p:extLst>
       <p:ext uri="{BB962C8B-B14F-4D97-AF65-F5344CB8AC3E}">
         <p14:creationId xmlns:p14="http://schemas.microsoft.com/office/powerpoint/2010/main" val="2538705854"/>
-      </p:ext>
-    </p:extLst>
-  </p:cSld>
-  <p:clrMapOvr>
-    <a:masterClrMapping/>
-  </p:clrMapOvr>
-</p:sld>
-</file>
-
-<file path=ppt/slides/slide19.xml><?xml version="1.0" encoding="utf-8"?>
-<p:sld xmlns:a="http://schemas.openxmlformats.org/drawingml/2006/main" xmlns:r="http://schemas.openxmlformats.org/officeDocument/2006/relationships" xmlns:p="http://schemas.openxmlformats.org/presentationml/2006/main">
-  <p:cSld>
-    <p:spTree>
-      <p:nvGrpSpPr>
-        <p:cNvPr id="1" name=""/>
-        <p:cNvGrpSpPr/>
-        <p:nvPr/>
-      </p:nvGrpSpPr>
-      <p:grpSpPr>
-        <a:xfrm>
-          <a:off x="0" y="0"/>
-          <a:ext cx="0" cy="0"/>
-          <a:chOff x="0" y="0"/>
-          <a:chExt cx="0" cy="0"/>
-        </a:xfrm>
-      </p:grpSpPr>
-      <p:sp>
-        <p:nvSpPr>
-          <p:cNvPr id="2" name="Title 1">
-            <a:extLst>
-              <a:ext uri="{FF2B5EF4-FFF2-40B4-BE49-F238E27FC236}">
-                <a16:creationId xmlns:a16="http://schemas.microsoft.com/office/drawing/2014/main" id="{7E85E982-F322-4E32-8580-0BD17833C127}"/>
-              </a:ext>
-            </a:extLst>
-          </p:cNvPr>
-          <p:cNvSpPr>
-            <a:spLocks noGrp="1"/>
-          </p:cNvSpPr>
-          <p:nvPr>
-            <p:ph type="title"/>
-          </p:nvPr>
-        </p:nvSpPr>
-        <p:spPr/>
-        <p:txBody>
-          <a:bodyPr/>
-          <a:lstStyle/>
-          <a:p>
-            <a:r>
-              <a:rPr lang="en-US" dirty="0"/>
-              <a:t>Cautions on Multi-tasking</a:t>
-            </a:r>
-          </a:p>
-        </p:txBody>
-      </p:sp>
-      <p:sp>
-        <p:nvSpPr>
-          <p:cNvPr id="3" name="Content Placeholder 2">
-            <a:extLst>
-              <a:ext uri="{FF2B5EF4-FFF2-40B4-BE49-F238E27FC236}">
-                <a16:creationId xmlns:a16="http://schemas.microsoft.com/office/drawing/2014/main" id="{961DDFE1-1F8F-484E-94AD-68DD61CEA0C6}"/>
-              </a:ext>
-            </a:extLst>
-          </p:cNvPr>
-          <p:cNvSpPr>
-            <a:spLocks noGrp="1"/>
-          </p:cNvSpPr>
-          <p:nvPr>
-            <p:ph idx="1"/>
-          </p:nvPr>
-        </p:nvSpPr>
-        <p:spPr>
-          <a:xfrm>
-            <a:off x="478172" y="2256639"/>
-            <a:ext cx="11023134" cy="4454554"/>
-          </a:xfrm>
-        </p:spPr>
-        <p:txBody>
-          <a:bodyPr>
-            <a:normAutofit fontScale="92500" lnSpcReduction="20000"/>
-          </a:bodyPr>
-          <a:lstStyle/>
-          <a:p>
-            <a:r>
-              <a:rPr lang="en-US" dirty="0"/>
-              <a:t>Since multi-tasking involves multiple threads (main robot thread, input thread, output thread and some number of standalone threads), care must be taken to understand problems introduced in this kind of environment which are derived from two main issues.</a:t>
-            </a:r>
-          </a:p>
-          <a:p>
-            <a:pPr lvl="1"/>
-            <a:r>
-              <a:rPr lang="en-US" dirty="0"/>
-              <a:t>Resource contention – shared access to data.</a:t>
-            </a:r>
-          </a:p>
-          <a:p>
-            <a:pPr lvl="1"/>
-            <a:r>
-              <a:rPr lang="en-US" dirty="0"/>
-              <a:t>Synchronization – coordination between different threads.</a:t>
-            </a:r>
-          </a:p>
-          <a:p>
-            <a:r>
-              <a:rPr lang="en-US" dirty="0"/>
-              <a:t>Resource contention: shared data between multiple threads can be easily corrupted seemingly randomly. Solution is controlled atomic access to shared data.</a:t>
-            </a:r>
-          </a:p>
-          <a:p>
-            <a:r>
-              <a:rPr lang="en-US" dirty="0"/>
-              <a:t>Synchronization: multiple threads can run with different speeds. When one thread’s execution depends on calculations from another thread, one must make sure these threads are synchronized so one thread will get the proper result from another thread at appropriate time. Solution is synchronization notifications.</a:t>
-            </a:r>
-          </a:p>
-          <a:p>
-            <a:r>
-              <a:rPr lang="en-US" dirty="0"/>
-              <a:t>Solutions to these problems sometimes create more problems: e.g. deadlock or performance issues. That’s why multi-tasking programming is really hard. Should avoid it if possible. If unavoidable, try minimizing the problems: limit data sharing and the need for synchronization.</a:t>
-            </a:r>
-          </a:p>
-          <a:p>
-            <a:r>
-              <a:rPr lang="en-US" dirty="0"/>
-              <a:t>Fortunately, Titan Robotics Framework provides some mechanisms that will help in some aspects of multi-tasking. For example, </a:t>
-            </a:r>
-            <a:r>
-              <a:rPr lang="en-US" dirty="0" err="1"/>
-              <a:t>TrcEvent</a:t>
-            </a:r>
-            <a:r>
-              <a:rPr lang="en-US" dirty="0"/>
-              <a:t> provides synchronization notifications between threads.</a:t>
-            </a:r>
-          </a:p>
-        </p:txBody>
-      </p:sp>
-    </p:spTree>
-    <p:extLst>
-      <p:ext uri="{BB962C8B-B14F-4D97-AF65-F5344CB8AC3E}">
-        <p14:creationId xmlns:p14="http://schemas.microsoft.com/office/powerpoint/2010/main" val="545182063"/>
       </p:ext>
     </p:extLst>
   </p:cSld>
@@ -15730,6 +15756,145 @@
     <p:extLst>
       <p:ext uri="{BB962C8B-B14F-4D97-AF65-F5344CB8AC3E}">
         <p14:creationId xmlns:p14="http://schemas.microsoft.com/office/powerpoint/2010/main" val="873984987"/>
+      </p:ext>
+    </p:extLst>
+  </p:cSld>
+  <p:clrMapOvr>
+    <a:masterClrMapping/>
+  </p:clrMapOvr>
+</p:sld>
+</file>
+
+<file path=ppt/slides/slide20.xml><?xml version="1.0" encoding="utf-8"?>
+<p:sld xmlns:a="http://schemas.openxmlformats.org/drawingml/2006/main" xmlns:r="http://schemas.openxmlformats.org/officeDocument/2006/relationships" xmlns:p="http://schemas.openxmlformats.org/presentationml/2006/main">
+  <p:cSld>
+    <p:spTree>
+      <p:nvGrpSpPr>
+        <p:cNvPr id="1" name=""/>
+        <p:cNvGrpSpPr/>
+        <p:nvPr/>
+      </p:nvGrpSpPr>
+      <p:grpSpPr>
+        <a:xfrm>
+          <a:off x="0" y="0"/>
+          <a:ext cx="0" cy="0"/>
+          <a:chOff x="0" y="0"/>
+          <a:chExt cx="0" cy="0"/>
+        </a:xfrm>
+      </p:grpSpPr>
+      <p:sp>
+        <p:nvSpPr>
+          <p:cNvPr id="2" name="Title 1">
+            <a:extLst>
+              <a:ext uri="{FF2B5EF4-FFF2-40B4-BE49-F238E27FC236}">
+                <a16:creationId xmlns:a16="http://schemas.microsoft.com/office/drawing/2014/main" id="{7E85E982-F322-4E32-8580-0BD17833C127}"/>
+              </a:ext>
+            </a:extLst>
+          </p:cNvPr>
+          <p:cNvSpPr>
+            <a:spLocks noGrp="1"/>
+          </p:cNvSpPr>
+          <p:nvPr>
+            <p:ph type="title"/>
+          </p:nvPr>
+        </p:nvSpPr>
+        <p:spPr/>
+        <p:txBody>
+          <a:bodyPr/>
+          <a:lstStyle/>
+          <a:p>
+            <a:r>
+              <a:rPr lang="en-US" dirty="0"/>
+              <a:t>Cautions on Multi-tasking</a:t>
+            </a:r>
+          </a:p>
+        </p:txBody>
+      </p:sp>
+      <p:sp>
+        <p:nvSpPr>
+          <p:cNvPr id="3" name="Content Placeholder 2">
+            <a:extLst>
+              <a:ext uri="{FF2B5EF4-FFF2-40B4-BE49-F238E27FC236}">
+                <a16:creationId xmlns:a16="http://schemas.microsoft.com/office/drawing/2014/main" id="{961DDFE1-1F8F-484E-94AD-68DD61CEA0C6}"/>
+              </a:ext>
+            </a:extLst>
+          </p:cNvPr>
+          <p:cNvSpPr>
+            <a:spLocks noGrp="1"/>
+          </p:cNvSpPr>
+          <p:nvPr>
+            <p:ph idx="1"/>
+          </p:nvPr>
+        </p:nvSpPr>
+        <p:spPr>
+          <a:xfrm>
+            <a:off x="478172" y="2256639"/>
+            <a:ext cx="11023134" cy="4454554"/>
+          </a:xfrm>
+        </p:spPr>
+        <p:txBody>
+          <a:bodyPr>
+            <a:normAutofit fontScale="92500" lnSpcReduction="20000"/>
+          </a:bodyPr>
+          <a:lstStyle/>
+          <a:p>
+            <a:r>
+              <a:rPr lang="en-US" dirty="0"/>
+              <a:t>Since multi-tasking involves multiple threads (main robot thread, input thread, output thread and some number of standalone threads), care must be taken to understand problems introduced in this kind of environment which are derived from two main issues.</a:t>
+            </a:r>
+          </a:p>
+          <a:p>
+            <a:pPr lvl="1"/>
+            <a:r>
+              <a:rPr lang="en-US" dirty="0"/>
+              <a:t>Resource contention – shared access to data.</a:t>
+            </a:r>
+          </a:p>
+          <a:p>
+            <a:pPr lvl="1"/>
+            <a:r>
+              <a:rPr lang="en-US" dirty="0"/>
+              <a:t>Synchronization – coordination between different threads.</a:t>
+            </a:r>
+          </a:p>
+          <a:p>
+            <a:r>
+              <a:rPr lang="en-US" dirty="0"/>
+              <a:t>Resource contention: shared data between multiple threads can be easily corrupted seemingly randomly. Solution is controlled atomic access to shared data.</a:t>
+            </a:r>
+          </a:p>
+          <a:p>
+            <a:r>
+              <a:rPr lang="en-US" dirty="0"/>
+              <a:t>Synchronization: multiple threads can run with different speeds. When one thread’s execution depends on calculations from another thread, one must make sure these threads are synchronized so one thread will get the proper result from another thread at appropriate time. Solution is synchronization notifications.</a:t>
+            </a:r>
+          </a:p>
+          <a:p>
+            <a:r>
+              <a:rPr lang="en-US" dirty="0"/>
+              <a:t>Solutions to these problems sometimes create more problems: e.g. deadlock or performance issues. That’s why multi-tasking programming is really hard. Should avoid it if possible. If unavoidable, try minimizing the problems: limit data sharing and the need for synchronization.</a:t>
+            </a:r>
+          </a:p>
+          <a:p>
+            <a:r>
+              <a:rPr lang="en-US" dirty="0"/>
+              <a:t>Fortunately, Titan Robotics Framework provides some mechanisms that will help in some aspects of multi-tasking. For example, </a:t>
+            </a:r>
+            <a:r>
+              <a:rPr lang="en-US" dirty="0" err="1"/>
+              <a:t>TrcEvent</a:t>
+            </a:r>
+            <a:r>
+              <a:rPr lang="en-US" dirty="0"/>
+              <a:t> provides synchronization notifications between threads.</a:t>
+            </a:r>
+          </a:p>
+        </p:txBody>
+      </p:sp>
+    </p:spTree>
+    <p:extLst>
+      <p:ext uri="{BB962C8B-B14F-4D97-AF65-F5344CB8AC3E}">
+        <p14:creationId xmlns:p14="http://schemas.microsoft.com/office/powerpoint/2010/main" val="545182063"/>
       </p:ext>
     </p:extLst>
   </p:cSld>
